--- a/Vezetékes és vezeték nélküli átviteli közegek.pptx
+++ b/Vezetékes és vezeték nélküli átviteli közegek.pptx
@@ -6,6 +6,14 @@
   </p:sldMasterIdLst>
   <p:sldIdLst>
     <p:sldId id="256" r:id="rId2"/>
+    <p:sldId id="258" r:id="rId3"/>
+    <p:sldId id="263" r:id="rId4"/>
+    <p:sldId id="257" r:id="rId5"/>
+    <p:sldId id="259" r:id="rId6"/>
+    <p:sldId id="260" r:id="rId7"/>
+    <p:sldId id="261" r:id="rId8"/>
+    <p:sldId id="264" r:id="rId9"/>
+    <p:sldId id="262" r:id="rId10"/>
   </p:sldIdLst>
   <p:sldSz cx="12192000" cy="6858000"/>
   <p:notesSz cx="6858000" cy="9144000"/>
@@ -104,7 +112,21 @@
       </a:defRPr>
     </a:lvl9pPr>
   </p:defaultTextStyle>
+  <p:extLst>
+    <p:ext uri="{EFAFB233-063F-42B5-8137-9DF3F51BA10A}">
+      <p15:sldGuideLst xmlns:p15="http://schemas.microsoft.com/office/powerpoint/2012/main"/>
+    </p:ext>
+  </p:extLst>
 </p:presentation>
+</file>
+
+<file path=ppt/revisionInfo.xml><?xml version="1.0" encoding="utf-8"?>
+<p1510:revInfo xmlns:a="http://schemas.openxmlformats.org/drawingml/2006/main" xmlns:r="http://schemas.openxmlformats.org/officeDocument/2006/relationships" xmlns:p1510="http://schemas.microsoft.com/office/powerpoint/2015/10/main">
+  <p1510:revLst>
+    <p1510:client id="{27580092-B2B8-0A4D-FAC4-52BD101B4348}" v="212" dt="2023-09-21T07:35:12.292"/>
+    <p1510:client id="{7DBE7323-263A-4221-9A10-93F189137BCF}" v="439" dt="2023-09-21T07:34:53.592"/>
+  </p1510:revLst>
+</p1510:revInfo>
 </file>
 
 <file path=ppt/slideLayouts/slideLayout1.xml><?xml version="1.0" encoding="utf-8"?>
@@ -149,10 +171,9 @@
           </a:lstStyle>
           <a:p>
             <a:r>
-              <a:rPr lang="hu-HU" smtClean="0"/>
+              <a:rPr lang="hu-HU"/>
               <a:t>Mintacím szerkesztése</a:t>
             </a:r>
-            <a:endParaRPr lang="hu-HU"/>
           </a:p>
         </p:txBody>
       </p:sp>
@@ -214,10 +235,9 @@
           </a:lstStyle>
           <a:p>
             <a:r>
-              <a:rPr lang="hu-HU" smtClean="0"/>
+              <a:rPr lang="hu-HU"/>
               <a:t>Kattintson ide az alcím mintájának szerkesztéséhez</a:t>
             </a:r>
-            <a:endParaRPr lang="hu-HU"/>
           </a:p>
         </p:txBody>
       </p:sp>
@@ -238,7 +258,7 @@
           <a:p>
             <a:fld id="{D142EEDF-6291-4D07-AACD-26DC6F4E3DD8}" type="datetimeFigureOut">
               <a:rPr lang="hu-HU" smtClean="0"/>
-              <a:t>2023.09.20.</a:t>
+              <a:t>2023. 09. 21.</a:t>
             </a:fld>
             <a:endParaRPr lang="hu-HU"/>
           </a:p>
@@ -332,10 +352,9 @@
           <a:lstStyle/>
           <a:p>
             <a:r>
-              <a:rPr lang="hu-HU" smtClean="0"/>
+              <a:rPr lang="hu-HU"/>
               <a:t>Mintacím szerkesztése</a:t>
             </a:r>
-            <a:endParaRPr lang="hu-HU"/>
           </a:p>
         </p:txBody>
       </p:sp>
@@ -356,38 +375,37 @@
           <a:p>
             <a:pPr lvl="0"/>
             <a:r>
-              <a:rPr lang="hu-HU" smtClean="0"/>
+              <a:rPr lang="hu-HU"/>
               <a:t>Mintaszöveg szerkesztése</a:t>
             </a:r>
           </a:p>
           <a:p>
             <a:pPr lvl="1"/>
             <a:r>
-              <a:rPr lang="hu-HU" smtClean="0"/>
+              <a:rPr lang="hu-HU"/>
               <a:t>Második szint</a:t>
             </a:r>
           </a:p>
           <a:p>
             <a:pPr lvl="2"/>
             <a:r>
-              <a:rPr lang="hu-HU" smtClean="0"/>
+              <a:rPr lang="hu-HU"/>
               <a:t>Harmadik szint</a:t>
             </a:r>
           </a:p>
           <a:p>
             <a:pPr lvl="3"/>
             <a:r>
-              <a:rPr lang="hu-HU" smtClean="0"/>
+              <a:rPr lang="hu-HU"/>
               <a:t>Negyedik szint</a:t>
             </a:r>
           </a:p>
           <a:p>
             <a:pPr lvl="4"/>
             <a:r>
-              <a:rPr lang="hu-HU" smtClean="0"/>
+              <a:rPr lang="hu-HU"/>
               <a:t>Ötödik szint</a:t>
             </a:r>
-            <a:endParaRPr lang="hu-HU"/>
           </a:p>
         </p:txBody>
       </p:sp>
@@ -408,7 +426,7 @@
           <a:p>
             <a:fld id="{D142EEDF-6291-4D07-AACD-26DC6F4E3DD8}" type="datetimeFigureOut">
               <a:rPr lang="hu-HU" smtClean="0"/>
-              <a:t>2023.09.20.</a:t>
+              <a:t>2023. 09. 21.</a:t>
             </a:fld>
             <a:endParaRPr lang="hu-HU"/>
           </a:p>
@@ -507,10 +525,9 @@
           <a:lstStyle/>
           <a:p>
             <a:r>
-              <a:rPr lang="hu-HU" smtClean="0"/>
+              <a:rPr lang="hu-HU"/>
               <a:t>Mintacím szerkesztése</a:t>
             </a:r>
-            <a:endParaRPr lang="hu-HU"/>
           </a:p>
         </p:txBody>
       </p:sp>
@@ -536,38 +553,37 @@
           <a:p>
             <a:pPr lvl="0"/>
             <a:r>
-              <a:rPr lang="hu-HU" smtClean="0"/>
+              <a:rPr lang="hu-HU"/>
               <a:t>Mintaszöveg szerkesztése</a:t>
             </a:r>
           </a:p>
           <a:p>
             <a:pPr lvl="1"/>
             <a:r>
-              <a:rPr lang="hu-HU" smtClean="0"/>
+              <a:rPr lang="hu-HU"/>
               <a:t>Második szint</a:t>
             </a:r>
           </a:p>
           <a:p>
             <a:pPr lvl="2"/>
             <a:r>
-              <a:rPr lang="hu-HU" smtClean="0"/>
+              <a:rPr lang="hu-HU"/>
               <a:t>Harmadik szint</a:t>
             </a:r>
           </a:p>
           <a:p>
             <a:pPr lvl="3"/>
             <a:r>
-              <a:rPr lang="hu-HU" smtClean="0"/>
+              <a:rPr lang="hu-HU"/>
               <a:t>Negyedik szint</a:t>
             </a:r>
           </a:p>
           <a:p>
             <a:pPr lvl="4"/>
             <a:r>
-              <a:rPr lang="hu-HU" smtClean="0"/>
+              <a:rPr lang="hu-HU"/>
               <a:t>Ötödik szint</a:t>
             </a:r>
-            <a:endParaRPr lang="hu-HU"/>
           </a:p>
         </p:txBody>
       </p:sp>
@@ -588,7 +604,7 @@
           <a:p>
             <a:fld id="{D142EEDF-6291-4D07-AACD-26DC6F4E3DD8}" type="datetimeFigureOut">
               <a:rPr lang="hu-HU" smtClean="0"/>
-              <a:t>2023.09.20.</a:t>
+              <a:t>2023. 09. 21.</a:t>
             </a:fld>
             <a:endParaRPr lang="hu-HU"/>
           </a:p>
@@ -682,10 +698,9 @@
           <a:lstStyle/>
           <a:p>
             <a:r>
-              <a:rPr lang="hu-HU" smtClean="0"/>
+              <a:rPr lang="hu-HU"/>
               <a:t>Mintacím szerkesztése</a:t>
             </a:r>
-            <a:endParaRPr lang="hu-HU"/>
           </a:p>
         </p:txBody>
       </p:sp>
@@ -706,38 +721,37 @@
           <a:p>
             <a:pPr lvl="0"/>
             <a:r>
-              <a:rPr lang="hu-HU" smtClean="0"/>
+              <a:rPr lang="hu-HU"/>
               <a:t>Mintaszöveg szerkesztése</a:t>
             </a:r>
           </a:p>
           <a:p>
             <a:pPr lvl="1"/>
             <a:r>
-              <a:rPr lang="hu-HU" smtClean="0"/>
+              <a:rPr lang="hu-HU"/>
               <a:t>Második szint</a:t>
             </a:r>
           </a:p>
           <a:p>
             <a:pPr lvl="2"/>
             <a:r>
-              <a:rPr lang="hu-HU" smtClean="0"/>
+              <a:rPr lang="hu-HU"/>
               <a:t>Harmadik szint</a:t>
             </a:r>
           </a:p>
           <a:p>
             <a:pPr lvl="3"/>
             <a:r>
-              <a:rPr lang="hu-HU" smtClean="0"/>
+              <a:rPr lang="hu-HU"/>
               <a:t>Negyedik szint</a:t>
             </a:r>
           </a:p>
           <a:p>
             <a:pPr lvl="4"/>
             <a:r>
-              <a:rPr lang="hu-HU" smtClean="0"/>
+              <a:rPr lang="hu-HU"/>
               <a:t>Ötödik szint</a:t>
             </a:r>
-            <a:endParaRPr lang="hu-HU"/>
           </a:p>
         </p:txBody>
       </p:sp>
@@ -758,7 +772,7 @@
           <a:p>
             <a:fld id="{D142EEDF-6291-4D07-AACD-26DC6F4E3DD8}" type="datetimeFigureOut">
               <a:rPr lang="hu-HU" smtClean="0"/>
-              <a:t>2023.09.20.</a:t>
+              <a:t>2023. 09. 21.</a:t>
             </a:fld>
             <a:endParaRPr lang="hu-HU"/>
           </a:p>
@@ -861,10 +875,9 @@
           </a:lstStyle>
           <a:p>
             <a:r>
-              <a:rPr lang="hu-HU" smtClean="0"/>
+              <a:rPr lang="hu-HU"/>
               <a:t>Mintacím szerkesztése</a:t>
             </a:r>
-            <a:endParaRPr lang="hu-HU"/>
           </a:p>
         </p:txBody>
       </p:sp>
@@ -981,7 +994,7 @@
           <a:p>
             <a:pPr lvl="0"/>
             <a:r>
-              <a:rPr lang="hu-HU" smtClean="0"/>
+              <a:rPr lang="hu-HU"/>
               <a:t>Mintaszöveg szerkesztése</a:t>
             </a:r>
           </a:p>
@@ -1004,7 +1017,7 @@
           <a:p>
             <a:fld id="{D142EEDF-6291-4D07-AACD-26DC6F4E3DD8}" type="datetimeFigureOut">
               <a:rPr lang="hu-HU" smtClean="0"/>
-              <a:t>2023.09.20.</a:t>
+              <a:t>2023. 09. 21.</a:t>
             </a:fld>
             <a:endParaRPr lang="hu-HU"/>
           </a:p>
@@ -1098,10 +1111,9 @@
           <a:lstStyle/>
           <a:p>
             <a:r>
-              <a:rPr lang="hu-HU" smtClean="0"/>
+              <a:rPr lang="hu-HU"/>
               <a:t>Mintacím szerkesztése</a:t>
             </a:r>
-            <a:endParaRPr lang="hu-HU"/>
           </a:p>
         </p:txBody>
       </p:sp>
@@ -1127,38 +1139,37 @@
           <a:p>
             <a:pPr lvl="0"/>
             <a:r>
-              <a:rPr lang="hu-HU" smtClean="0"/>
+              <a:rPr lang="hu-HU"/>
               <a:t>Mintaszöveg szerkesztése</a:t>
             </a:r>
           </a:p>
           <a:p>
             <a:pPr lvl="1"/>
             <a:r>
-              <a:rPr lang="hu-HU" smtClean="0"/>
+              <a:rPr lang="hu-HU"/>
               <a:t>Második szint</a:t>
             </a:r>
           </a:p>
           <a:p>
             <a:pPr lvl="2"/>
             <a:r>
-              <a:rPr lang="hu-HU" smtClean="0"/>
+              <a:rPr lang="hu-HU"/>
               <a:t>Harmadik szint</a:t>
             </a:r>
           </a:p>
           <a:p>
             <a:pPr lvl="3"/>
             <a:r>
-              <a:rPr lang="hu-HU" smtClean="0"/>
+              <a:rPr lang="hu-HU"/>
               <a:t>Negyedik szint</a:t>
             </a:r>
           </a:p>
           <a:p>
             <a:pPr lvl="4"/>
             <a:r>
-              <a:rPr lang="hu-HU" smtClean="0"/>
+              <a:rPr lang="hu-HU"/>
               <a:t>Ötödik szint</a:t>
             </a:r>
-            <a:endParaRPr lang="hu-HU"/>
           </a:p>
         </p:txBody>
       </p:sp>
@@ -1184,38 +1195,37 @@
           <a:p>
             <a:pPr lvl="0"/>
             <a:r>
-              <a:rPr lang="hu-HU" smtClean="0"/>
+              <a:rPr lang="hu-HU"/>
               <a:t>Mintaszöveg szerkesztése</a:t>
             </a:r>
           </a:p>
           <a:p>
             <a:pPr lvl="1"/>
             <a:r>
-              <a:rPr lang="hu-HU" smtClean="0"/>
+              <a:rPr lang="hu-HU"/>
               <a:t>Második szint</a:t>
             </a:r>
           </a:p>
           <a:p>
             <a:pPr lvl="2"/>
             <a:r>
-              <a:rPr lang="hu-HU" smtClean="0"/>
+              <a:rPr lang="hu-HU"/>
               <a:t>Harmadik szint</a:t>
             </a:r>
           </a:p>
           <a:p>
             <a:pPr lvl="3"/>
             <a:r>
-              <a:rPr lang="hu-HU" smtClean="0"/>
+              <a:rPr lang="hu-HU"/>
               <a:t>Negyedik szint</a:t>
             </a:r>
           </a:p>
           <a:p>
             <a:pPr lvl="4"/>
             <a:r>
-              <a:rPr lang="hu-HU" smtClean="0"/>
+              <a:rPr lang="hu-HU"/>
               <a:t>Ötödik szint</a:t>
             </a:r>
-            <a:endParaRPr lang="hu-HU"/>
           </a:p>
         </p:txBody>
       </p:sp>
@@ -1236,7 +1246,7 @@
           <a:p>
             <a:fld id="{D142EEDF-6291-4D07-AACD-26DC6F4E3DD8}" type="datetimeFigureOut">
               <a:rPr lang="hu-HU" smtClean="0"/>
-              <a:t>2023.09.20.</a:t>
+              <a:t>2023. 09. 21.</a:t>
             </a:fld>
             <a:endParaRPr lang="hu-HU"/>
           </a:p>
@@ -1335,10 +1345,9 @@
           <a:lstStyle/>
           <a:p>
             <a:r>
-              <a:rPr lang="hu-HU" smtClean="0"/>
+              <a:rPr lang="hu-HU"/>
               <a:t>Mintacím szerkesztése</a:t>
             </a:r>
-            <a:endParaRPr lang="hu-HU"/>
           </a:p>
         </p:txBody>
       </p:sp>
@@ -1401,7 +1410,7 @@
           <a:p>
             <a:pPr lvl="0"/>
             <a:r>
-              <a:rPr lang="hu-HU" smtClean="0"/>
+              <a:rPr lang="hu-HU"/>
               <a:t>Mintaszöveg szerkesztése</a:t>
             </a:r>
           </a:p>
@@ -1429,38 +1438,37 @@
           <a:p>
             <a:pPr lvl="0"/>
             <a:r>
-              <a:rPr lang="hu-HU" smtClean="0"/>
+              <a:rPr lang="hu-HU"/>
               <a:t>Mintaszöveg szerkesztése</a:t>
             </a:r>
           </a:p>
           <a:p>
             <a:pPr lvl="1"/>
             <a:r>
-              <a:rPr lang="hu-HU" smtClean="0"/>
+              <a:rPr lang="hu-HU"/>
               <a:t>Második szint</a:t>
             </a:r>
           </a:p>
           <a:p>
             <a:pPr lvl="2"/>
             <a:r>
-              <a:rPr lang="hu-HU" smtClean="0"/>
+              <a:rPr lang="hu-HU"/>
               <a:t>Harmadik szint</a:t>
             </a:r>
           </a:p>
           <a:p>
             <a:pPr lvl="3"/>
             <a:r>
-              <a:rPr lang="hu-HU" smtClean="0"/>
+              <a:rPr lang="hu-HU"/>
               <a:t>Negyedik szint</a:t>
             </a:r>
           </a:p>
           <a:p>
             <a:pPr lvl="4"/>
             <a:r>
-              <a:rPr lang="hu-HU" smtClean="0"/>
+              <a:rPr lang="hu-HU"/>
               <a:t>Ötödik szint</a:t>
             </a:r>
-            <a:endParaRPr lang="hu-HU"/>
           </a:p>
         </p:txBody>
       </p:sp>
@@ -1523,7 +1531,7 @@
           <a:p>
             <a:pPr lvl="0"/>
             <a:r>
-              <a:rPr lang="hu-HU" smtClean="0"/>
+              <a:rPr lang="hu-HU"/>
               <a:t>Mintaszöveg szerkesztése</a:t>
             </a:r>
           </a:p>
@@ -1551,38 +1559,37 @@
           <a:p>
             <a:pPr lvl="0"/>
             <a:r>
-              <a:rPr lang="hu-HU" smtClean="0"/>
+              <a:rPr lang="hu-HU"/>
               <a:t>Mintaszöveg szerkesztése</a:t>
             </a:r>
           </a:p>
           <a:p>
             <a:pPr lvl="1"/>
             <a:r>
-              <a:rPr lang="hu-HU" smtClean="0"/>
+              <a:rPr lang="hu-HU"/>
               <a:t>Második szint</a:t>
             </a:r>
           </a:p>
           <a:p>
             <a:pPr lvl="2"/>
             <a:r>
-              <a:rPr lang="hu-HU" smtClean="0"/>
+              <a:rPr lang="hu-HU"/>
               <a:t>Harmadik szint</a:t>
             </a:r>
           </a:p>
           <a:p>
             <a:pPr lvl="3"/>
             <a:r>
-              <a:rPr lang="hu-HU" smtClean="0"/>
+              <a:rPr lang="hu-HU"/>
               <a:t>Negyedik szint</a:t>
             </a:r>
           </a:p>
           <a:p>
             <a:pPr lvl="4"/>
             <a:r>
-              <a:rPr lang="hu-HU" smtClean="0"/>
+              <a:rPr lang="hu-HU"/>
               <a:t>Ötödik szint</a:t>
             </a:r>
-            <a:endParaRPr lang="hu-HU"/>
           </a:p>
         </p:txBody>
       </p:sp>
@@ -1603,7 +1610,7 @@
           <a:p>
             <a:fld id="{D142EEDF-6291-4D07-AACD-26DC6F4E3DD8}" type="datetimeFigureOut">
               <a:rPr lang="hu-HU" smtClean="0"/>
-              <a:t>2023.09.20.</a:t>
+              <a:t>2023. 09. 21.</a:t>
             </a:fld>
             <a:endParaRPr lang="hu-HU"/>
           </a:p>
@@ -1697,10 +1704,9 @@
           <a:lstStyle/>
           <a:p>
             <a:r>
-              <a:rPr lang="hu-HU" smtClean="0"/>
+              <a:rPr lang="hu-HU"/>
               <a:t>Mintacím szerkesztése</a:t>
             </a:r>
-            <a:endParaRPr lang="hu-HU"/>
           </a:p>
         </p:txBody>
       </p:sp>
@@ -1721,7 +1727,7 @@
           <a:p>
             <a:fld id="{D142EEDF-6291-4D07-AACD-26DC6F4E3DD8}" type="datetimeFigureOut">
               <a:rPr lang="hu-HU" smtClean="0"/>
-              <a:t>2023.09.20.</a:t>
+              <a:t>2023. 09. 21.</a:t>
             </a:fld>
             <a:endParaRPr lang="hu-HU"/>
           </a:p>
@@ -1816,7 +1822,7 @@
           <a:p>
             <a:fld id="{D142EEDF-6291-4D07-AACD-26DC6F4E3DD8}" type="datetimeFigureOut">
               <a:rPr lang="hu-HU" smtClean="0"/>
-              <a:t>2023.09.20.</a:t>
+              <a:t>2023. 09. 21.</a:t>
             </a:fld>
             <a:endParaRPr lang="hu-HU"/>
           </a:p>
@@ -1919,10 +1925,9 @@
           </a:lstStyle>
           <a:p>
             <a:r>
-              <a:rPr lang="hu-HU" smtClean="0"/>
+              <a:rPr lang="hu-HU"/>
               <a:t>Mintacím szerkesztése</a:t>
             </a:r>
-            <a:endParaRPr lang="hu-HU"/>
           </a:p>
         </p:txBody>
       </p:sp>
@@ -1976,38 +1981,37 @@
           <a:p>
             <a:pPr lvl="0"/>
             <a:r>
-              <a:rPr lang="hu-HU" smtClean="0"/>
+              <a:rPr lang="hu-HU"/>
               <a:t>Mintaszöveg szerkesztése</a:t>
             </a:r>
           </a:p>
           <a:p>
             <a:pPr lvl="1"/>
             <a:r>
-              <a:rPr lang="hu-HU" smtClean="0"/>
+              <a:rPr lang="hu-HU"/>
               <a:t>Második szint</a:t>
             </a:r>
           </a:p>
           <a:p>
             <a:pPr lvl="2"/>
             <a:r>
-              <a:rPr lang="hu-HU" smtClean="0"/>
+              <a:rPr lang="hu-HU"/>
               <a:t>Harmadik szint</a:t>
             </a:r>
           </a:p>
           <a:p>
             <a:pPr lvl="3"/>
             <a:r>
-              <a:rPr lang="hu-HU" smtClean="0"/>
+              <a:rPr lang="hu-HU"/>
               <a:t>Negyedik szint</a:t>
             </a:r>
           </a:p>
           <a:p>
             <a:pPr lvl="4"/>
             <a:r>
-              <a:rPr lang="hu-HU" smtClean="0"/>
+              <a:rPr lang="hu-HU"/>
               <a:t>Ötödik szint</a:t>
             </a:r>
-            <a:endParaRPr lang="hu-HU"/>
           </a:p>
         </p:txBody>
       </p:sp>
@@ -2070,7 +2074,7 @@
           <a:p>
             <a:pPr lvl="0"/>
             <a:r>
-              <a:rPr lang="hu-HU" smtClean="0"/>
+              <a:rPr lang="hu-HU"/>
               <a:t>Mintaszöveg szerkesztése</a:t>
             </a:r>
           </a:p>
@@ -2093,7 +2097,7 @@
           <a:p>
             <a:fld id="{D142EEDF-6291-4D07-AACD-26DC6F4E3DD8}" type="datetimeFigureOut">
               <a:rPr lang="hu-HU" smtClean="0"/>
-              <a:t>2023.09.20.</a:t>
+              <a:t>2023. 09. 21.</a:t>
             </a:fld>
             <a:endParaRPr lang="hu-HU"/>
           </a:p>
@@ -2196,10 +2200,9 @@
           </a:lstStyle>
           <a:p>
             <a:r>
-              <a:rPr lang="hu-HU" smtClean="0"/>
+              <a:rPr lang="hu-HU"/>
               <a:t>Mintacím szerkesztése</a:t>
             </a:r>
-            <a:endParaRPr lang="hu-HU"/>
           </a:p>
         </p:txBody>
       </p:sp>
@@ -2323,7 +2326,7 @@
           <a:p>
             <a:pPr lvl="0"/>
             <a:r>
-              <a:rPr lang="hu-HU" smtClean="0"/>
+              <a:rPr lang="hu-HU"/>
               <a:t>Mintaszöveg szerkesztése</a:t>
             </a:r>
           </a:p>
@@ -2346,7 +2349,7 @@
           <a:p>
             <a:fld id="{D142EEDF-6291-4D07-AACD-26DC6F4E3DD8}" type="datetimeFigureOut">
               <a:rPr lang="hu-HU" smtClean="0"/>
-              <a:t>2023.09.20.</a:t>
+              <a:t>2023. 09. 21.</a:t>
             </a:fld>
             <a:endParaRPr lang="hu-HU"/>
           </a:p>
@@ -2455,10 +2458,9 @@
           <a:lstStyle/>
           <a:p>
             <a:r>
-              <a:rPr lang="hu-HU" smtClean="0"/>
+              <a:rPr lang="hu-HU"/>
               <a:t>Mintacím szerkesztése</a:t>
             </a:r>
-            <a:endParaRPr lang="hu-HU"/>
           </a:p>
         </p:txBody>
       </p:sp>
@@ -2489,38 +2491,37 @@
           <a:p>
             <a:pPr lvl="0"/>
             <a:r>
-              <a:rPr lang="hu-HU" smtClean="0"/>
+              <a:rPr lang="hu-HU"/>
               <a:t>Mintaszöveg szerkesztése</a:t>
             </a:r>
           </a:p>
           <a:p>
             <a:pPr lvl="1"/>
             <a:r>
-              <a:rPr lang="hu-HU" smtClean="0"/>
+              <a:rPr lang="hu-HU"/>
               <a:t>Második szint</a:t>
             </a:r>
           </a:p>
           <a:p>
             <a:pPr lvl="2"/>
             <a:r>
-              <a:rPr lang="hu-HU" smtClean="0"/>
+              <a:rPr lang="hu-HU"/>
               <a:t>Harmadik szint</a:t>
             </a:r>
           </a:p>
           <a:p>
             <a:pPr lvl="3"/>
             <a:r>
-              <a:rPr lang="hu-HU" smtClean="0"/>
+              <a:rPr lang="hu-HU"/>
               <a:t>Negyedik szint</a:t>
             </a:r>
           </a:p>
           <a:p>
             <a:pPr lvl="4"/>
             <a:r>
-              <a:rPr lang="hu-HU" smtClean="0"/>
+              <a:rPr lang="hu-HU"/>
               <a:t>Ötödik szint</a:t>
             </a:r>
-            <a:endParaRPr lang="hu-HU"/>
           </a:p>
         </p:txBody>
       </p:sp>
@@ -2559,7 +2560,7 @@
           <a:p>
             <a:fld id="{D142EEDF-6291-4D07-AACD-26DC6F4E3DD8}" type="datetimeFigureOut">
               <a:rPr lang="hu-HU" smtClean="0"/>
-              <a:t>2023.09.20.</a:t>
+              <a:t>2023. 09. 21.</a:t>
             </a:fld>
             <a:endParaRPr lang="hu-HU"/>
           </a:p>
@@ -2974,12 +2975,36 @@
             <p:ph type="ctrTitle"/>
           </p:nvPr>
         </p:nvSpPr>
-        <p:spPr/>
-        <p:txBody>
-          <a:bodyPr/>
-          <a:lstStyle/>
-          <a:p>
-            <a:endParaRPr lang="hu-HU"/>
+        <p:spPr>
+          <a:xfrm>
+            <a:off x="1488831" y="1052025"/>
+            <a:ext cx="9144000" cy="2387600"/>
+          </a:xfrm>
+        </p:spPr>
+        <p:txBody>
+          <a:bodyPr/>
+          <a:lstStyle/>
+          <a:p>
+            <a:r>
+              <a:rPr lang="hu-HU" sz="5000" b="1" dirty="0">
+                <a:ea typeface="+mj-lt"/>
+                <a:cs typeface="+mj-lt"/>
+              </a:rPr>
+              <a:t>Vezetékes és vezeték nélküli átviteli közegek</a:t>
+            </a:r>
+            <a:endParaRPr lang="hu-HU" sz="5000" dirty="0">
+              <a:cs typeface="Calibri Light"/>
+            </a:endParaRPr>
+          </a:p>
+          <a:p>
+            <a:endParaRPr lang="hu-HU" sz="2000" b="1" dirty="0">
+              <a:cs typeface="Calibri Light"/>
+            </a:endParaRPr>
+          </a:p>
+          <a:p>
+            <a:endParaRPr lang="hu-HU" dirty="0">
+              <a:cs typeface="Calibri Light"/>
+            </a:endParaRPr>
           </a:p>
         </p:txBody>
       </p:sp>
@@ -2995,10 +3020,18 @@
         </p:nvSpPr>
         <p:spPr/>
         <p:txBody>
-          <a:bodyPr/>
-          <a:lstStyle/>
-          <a:p>
-            <a:endParaRPr lang="hu-HU"/>
+          <a:bodyPr vert="horz" lIns="91440" tIns="45720" rIns="91440" bIns="45720" rtlCol="0" anchor="t">
+            <a:normAutofit/>
+          </a:bodyPr>
+          <a:lstStyle/>
+          <a:p>
+            <a:r>
+              <a:rPr lang="hu-HU" dirty="0">
+                <a:cs typeface="Calibri"/>
+              </a:rPr>
+              <a:t>Készítette: Péter Dávid, Szekeres Rafael Alex, Varga Szilárd</a:t>
+            </a:r>
+            <a:endParaRPr lang="hu-HU" dirty="0"/>
           </a:p>
         </p:txBody>
       </p:sp>
@@ -3006,6 +3039,1526 @@
     <p:extLst>
       <p:ext uri="{BB962C8B-B14F-4D97-AF65-F5344CB8AC3E}">
         <p14:creationId xmlns:p14="http://schemas.microsoft.com/office/powerpoint/2010/main" val="4020463816"/>
+      </p:ext>
+    </p:extLst>
+  </p:cSld>
+  <p:clrMapOvr>
+    <a:masterClrMapping/>
+  </p:clrMapOvr>
+</p:sld>
+</file>
+
+<file path=ppt/slides/slide2.xml><?xml version="1.0" encoding="utf-8"?>
+<p:sld xmlns:a="http://schemas.openxmlformats.org/drawingml/2006/main" xmlns:r="http://schemas.openxmlformats.org/officeDocument/2006/relationships" xmlns:p="http://schemas.openxmlformats.org/presentationml/2006/main">
+  <p:cSld>
+    <p:spTree>
+      <p:nvGrpSpPr>
+        <p:cNvPr id="1" name=""/>
+        <p:cNvGrpSpPr/>
+        <p:nvPr/>
+      </p:nvGrpSpPr>
+      <p:grpSpPr>
+        <a:xfrm>
+          <a:off x="0" y="0"/>
+          <a:ext cx="0" cy="0"/>
+          <a:chOff x="0" y="0"/>
+          <a:chExt cx="0" cy="0"/>
+        </a:xfrm>
+      </p:grpSpPr>
+      <p:sp>
+        <p:nvSpPr>
+          <p:cNvPr id="2" name="Cím 1">
+            <a:extLst>
+              <a:ext uri="{FF2B5EF4-FFF2-40B4-BE49-F238E27FC236}">
+                <a16:creationId xmlns:a16="http://schemas.microsoft.com/office/drawing/2014/main" id="{37262757-91BF-1C97-5731-F0430781193A}"/>
+              </a:ext>
+            </a:extLst>
+          </p:cNvPr>
+          <p:cNvSpPr>
+            <a:spLocks noGrp="1"/>
+          </p:cNvSpPr>
+          <p:nvPr>
+            <p:ph type="title"/>
+          </p:nvPr>
+        </p:nvSpPr>
+        <p:spPr>
+          <a:xfrm>
+            <a:off x="662354" y="212725"/>
+            <a:ext cx="10515600" cy="1325563"/>
+          </a:xfrm>
+        </p:spPr>
+        <p:txBody>
+          <a:bodyPr/>
+          <a:lstStyle/>
+          <a:p>
+            <a:r>
+              <a:rPr lang="hu-HU">
+                <a:cs typeface="Calibri Light"/>
+              </a:rPr>
+              <a:t>Szélessávú koaxiális kábelek</a:t>
+            </a:r>
+            <a:endParaRPr lang="hu-HU"/>
+          </a:p>
+        </p:txBody>
+      </p:sp>
+      <p:sp>
+        <p:nvSpPr>
+          <p:cNvPr id="3" name="Tartalom helye 2">
+            <a:extLst>
+              <a:ext uri="{FF2B5EF4-FFF2-40B4-BE49-F238E27FC236}">
+                <a16:creationId xmlns:a16="http://schemas.microsoft.com/office/drawing/2014/main" id="{5DFBD283-FECC-FB26-FBD7-018E48927ABD}"/>
+              </a:ext>
+            </a:extLst>
+          </p:cNvPr>
+          <p:cNvSpPr>
+            <a:spLocks noGrp="1"/>
+          </p:cNvSpPr>
+          <p:nvPr>
+            <p:ph idx="1"/>
+          </p:nvPr>
+        </p:nvSpPr>
+        <p:spPr>
+          <a:xfrm>
+            <a:off x="486508" y="1403595"/>
+            <a:ext cx="10515600" cy="4949214"/>
+          </a:xfrm>
+        </p:spPr>
+        <p:txBody>
+          <a:bodyPr vert="horz" lIns="91440" tIns="45720" rIns="91440" bIns="45720" rtlCol="0" anchor="t">
+            <a:normAutofit/>
+          </a:bodyPr>
+          <a:lstStyle/>
+          <a:p>
+            <a:r>
+              <a:rPr lang="hu-HU">
+                <a:latin typeface="Times New Roman"/>
+                <a:cs typeface="Times New Roman"/>
+              </a:rPr>
+              <a:t>A koaxiális kábelrendszer a </a:t>
+            </a:r>
+            <a:r>
+              <a:rPr lang="hu-HU" err="1">
+                <a:latin typeface="Times New Roman"/>
+                <a:cs typeface="Times New Roman"/>
+              </a:rPr>
+              <a:t>kábeltelevíziózás</a:t>
+            </a:r>
+            <a:r>
+              <a:rPr lang="hu-HU">
+                <a:latin typeface="Times New Roman"/>
+                <a:cs typeface="Times New Roman"/>
+              </a:rPr>
+              <a:t> szabványos kábelein keresztüli analóg átvitelt teszi lehetővé.</a:t>
+            </a:r>
+          </a:p>
+          <a:p>
+            <a:r>
+              <a:rPr lang="hu-HU">
+                <a:latin typeface="Times New Roman"/>
+                <a:cs typeface="Times New Roman"/>
+              </a:rPr>
+              <a:t>A kábelek közel 100 km-es távolságig 300 MHz-es jelek átvitelére alkalmasak.</a:t>
+            </a:r>
+          </a:p>
+          <a:p>
+            <a:r>
+              <a:rPr lang="hu-HU">
+                <a:latin typeface="Times New Roman"/>
+                <a:cs typeface="Times New Roman"/>
+              </a:rPr>
+              <a:t> Egy 300 MHz-es kábel tipikusan 150 </a:t>
+            </a:r>
+            <a:r>
+              <a:rPr lang="hu-HU" err="1">
+                <a:latin typeface="Times New Roman"/>
+                <a:cs typeface="Times New Roman"/>
+              </a:rPr>
+              <a:t>Mbit</a:t>
+            </a:r>
+            <a:r>
+              <a:rPr lang="hu-HU">
+                <a:latin typeface="Times New Roman"/>
+                <a:cs typeface="Times New Roman"/>
+              </a:rPr>
+              <a:t>/s-os adatátvitelt tesz lehetővé, ami egy csatorna számára túlzottan nagy sávszélesség, ezért általában több csatornára osztják.</a:t>
+            </a:r>
+            <a:endParaRPr lang="hu-HU">
+              <a:cs typeface="Calibri" panose="020F0502020204030204"/>
+            </a:endParaRPr>
+          </a:p>
+        </p:txBody>
+      </p:sp>
+    </p:spTree>
+    <p:extLst>
+      <p:ext uri="{BB962C8B-B14F-4D97-AF65-F5344CB8AC3E}">
+        <p14:creationId xmlns:p14="http://schemas.microsoft.com/office/powerpoint/2010/main" val="1443781168"/>
+      </p:ext>
+    </p:extLst>
+  </p:cSld>
+  <p:clrMapOvr>
+    <a:masterClrMapping/>
+  </p:clrMapOvr>
+</p:sld>
+</file>
+
+<file path=ppt/slides/slide3.xml><?xml version="1.0" encoding="utf-8"?>
+<p:sld xmlns:a="http://schemas.openxmlformats.org/drawingml/2006/main" xmlns:r="http://schemas.openxmlformats.org/officeDocument/2006/relationships" xmlns:p="http://schemas.openxmlformats.org/presentationml/2006/main">
+  <p:cSld>
+    <p:spTree>
+      <p:nvGrpSpPr>
+        <p:cNvPr id="1" name=""/>
+        <p:cNvGrpSpPr/>
+        <p:nvPr/>
+      </p:nvGrpSpPr>
+      <p:grpSpPr>
+        <a:xfrm>
+          <a:off x="0" y="0"/>
+          <a:ext cx="0" cy="0"/>
+          <a:chOff x="0" y="0"/>
+          <a:chExt cx="0" cy="0"/>
+        </a:xfrm>
+      </p:grpSpPr>
+      <p:sp>
+        <p:nvSpPr>
+          <p:cNvPr id="2" name="Cím 1">
+            <a:extLst>
+              <a:ext uri="{FF2B5EF4-FFF2-40B4-BE49-F238E27FC236}">
+                <a16:creationId xmlns:a16="http://schemas.microsoft.com/office/drawing/2014/main" id="{F2A73F21-BA1F-E98B-4E0A-C12EC9AA0F5C}"/>
+              </a:ext>
+            </a:extLst>
+          </p:cNvPr>
+          <p:cNvSpPr>
+            <a:spLocks noGrp="1"/>
+          </p:cNvSpPr>
+          <p:nvPr>
+            <p:ph type="title"/>
+          </p:nvPr>
+        </p:nvSpPr>
+        <p:spPr>
+          <a:xfrm flipV="1">
+            <a:off x="838200" y="-442912"/>
+            <a:ext cx="10515600" cy="808037"/>
+          </a:xfrm>
+        </p:spPr>
+        <p:txBody>
+          <a:bodyPr/>
+          <a:lstStyle/>
+          <a:p>
+            <a:endParaRPr lang="hu-HU"/>
+          </a:p>
+        </p:txBody>
+      </p:sp>
+      <p:sp>
+        <p:nvSpPr>
+          <p:cNvPr id="3" name="Tartalom helye 2">
+            <a:extLst>
+              <a:ext uri="{FF2B5EF4-FFF2-40B4-BE49-F238E27FC236}">
+                <a16:creationId xmlns:a16="http://schemas.microsoft.com/office/drawing/2014/main" id="{46259D36-AE0D-63DD-EBFD-DAFE36C4AEB1}"/>
+              </a:ext>
+            </a:extLst>
+          </p:cNvPr>
+          <p:cNvSpPr>
+            <a:spLocks noGrp="1"/>
+          </p:cNvSpPr>
+          <p:nvPr>
+            <p:ph idx="1"/>
+          </p:nvPr>
+        </p:nvSpPr>
+        <p:spPr>
+          <a:xfrm>
+            <a:off x="451338" y="958118"/>
+            <a:ext cx="10515600" cy="5382968"/>
+          </a:xfrm>
+        </p:spPr>
+        <p:txBody>
+          <a:bodyPr vert="horz" lIns="91440" tIns="45720" rIns="91440" bIns="45720" rtlCol="0" anchor="t">
+            <a:normAutofit/>
+          </a:bodyPr>
+          <a:lstStyle/>
+          <a:p>
+            <a:r>
+              <a:rPr lang="hu-HU">
+                <a:latin typeface="Times New Roman"/>
+                <a:cs typeface="Times New Roman"/>
+              </a:rPr>
+              <a:t>A szélessávú rendszerekben analóg erősítőkre van szükség, ezek az erősítők a jelet csak az egyik irányba tudják továbbítani, ezért csak szimplex adatátvitelt képesek megvalósítani.</a:t>
+            </a:r>
+          </a:p>
+          <a:p>
+            <a:r>
+              <a:rPr lang="hu-HU">
+                <a:latin typeface="Times New Roman"/>
+                <a:cs typeface="Times New Roman"/>
+              </a:rPr>
+              <a:t>A probléma megoldására kétféle szélessávú rendszert fejlesztettek ki: a</a:t>
+            </a:r>
+            <a:r>
+              <a:rPr lang="hu-HU" i="1">
+                <a:latin typeface="Times New Roman"/>
+                <a:cs typeface="Times New Roman"/>
+              </a:rPr>
+              <a:t> </a:t>
+            </a:r>
+            <a:r>
+              <a:rPr lang="hu-HU">
+                <a:latin typeface="Times New Roman"/>
+                <a:cs typeface="Times New Roman"/>
+              </a:rPr>
+              <a:t>kétkábeles</a:t>
+            </a:r>
+            <a:r>
+              <a:rPr lang="hu-HU" b="1">
+                <a:latin typeface="Times New Roman"/>
+                <a:cs typeface="Times New Roman"/>
+              </a:rPr>
+              <a:t> </a:t>
+            </a:r>
+            <a:r>
+              <a:rPr lang="hu-HU">
+                <a:latin typeface="Times New Roman"/>
+                <a:cs typeface="Times New Roman"/>
+              </a:rPr>
+              <a:t>és az egykábeles</a:t>
+            </a:r>
+            <a:r>
+              <a:rPr lang="hu-HU" b="1">
+                <a:latin typeface="Times New Roman"/>
+                <a:cs typeface="Times New Roman"/>
+              </a:rPr>
+              <a:t> </a:t>
+            </a:r>
+            <a:r>
+              <a:rPr lang="hu-HU">
+                <a:latin typeface="Times New Roman"/>
+                <a:cs typeface="Times New Roman"/>
+              </a:rPr>
+              <a:t>rendszert</a:t>
+            </a:r>
+            <a:r>
+              <a:rPr lang="hu-HU" i="1">
+                <a:latin typeface="Times New Roman"/>
+                <a:cs typeface="Times New Roman"/>
+              </a:rPr>
+              <a:t>.</a:t>
+            </a:r>
+          </a:p>
+          <a:p>
+            <a:r>
+              <a:rPr lang="hu-HU">
+                <a:latin typeface="Times New Roman"/>
+                <a:cs typeface="Times New Roman"/>
+              </a:rPr>
+              <a:t>A kétkábeles rendszerben két azonos kábel fut egymás mellett. A két kábelen ellentétes irányú az adatforgalom.</a:t>
+            </a:r>
+            <a:endParaRPr lang="hu-HU" i="1">
+              <a:latin typeface="Times New Roman"/>
+              <a:cs typeface="Times New Roman"/>
+            </a:endParaRPr>
+          </a:p>
+        </p:txBody>
+      </p:sp>
+    </p:spTree>
+    <p:extLst>
+      <p:ext uri="{BB962C8B-B14F-4D97-AF65-F5344CB8AC3E}">
+        <p14:creationId xmlns:p14="http://schemas.microsoft.com/office/powerpoint/2010/main" val="2118927623"/>
+      </p:ext>
+    </p:extLst>
+  </p:cSld>
+  <p:clrMapOvr>
+    <a:masterClrMapping/>
+  </p:clrMapOvr>
+</p:sld>
+</file>
+
+<file path=ppt/slides/slide4.xml><?xml version="1.0" encoding="utf-8"?>
+<p:sld xmlns:a="http://schemas.openxmlformats.org/drawingml/2006/main" xmlns:r="http://schemas.openxmlformats.org/officeDocument/2006/relationships" xmlns:p="http://schemas.openxmlformats.org/presentationml/2006/main">
+  <p:cSld>
+    <p:spTree>
+      <p:nvGrpSpPr>
+        <p:cNvPr id="1" name=""/>
+        <p:cNvGrpSpPr/>
+        <p:nvPr/>
+      </p:nvGrpSpPr>
+      <p:grpSpPr>
+        <a:xfrm>
+          <a:off x="0" y="0"/>
+          <a:ext cx="0" cy="0"/>
+          <a:chOff x="0" y="0"/>
+          <a:chExt cx="0" cy="0"/>
+        </a:xfrm>
+      </p:grpSpPr>
+      <p:sp>
+        <p:nvSpPr>
+          <p:cNvPr id="2" name="Cím 1">
+            <a:extLst>
+              <a:ext uri="{FF2B5EF4-FFF2-40B4-BE49-F238E27FC236}">
+                <a16:creationId xmlns:a16="http://schemas.microsoft.com/office/drawing/2014/main" id="{784B543A-2E52-87B8-CDBA-DA62DE9EAF7C}"/>
+              </a:ext>
+            </a:extLst>
+          </p:cNvPr>
+          <p:cNvSpPr>
+            <a:spLocks noGrp="1"/>
+          </p:cNvSpPr>
+          <p:nvPr>
+            <p:ph type="title"/>
+          </p:nvPr>
+        </p:nvSpPr>
+        <p:spPr/>
+        <p:txBody>
+          <a:bodyPr/>
+          <a:lstStyle/>
+          <a:p>
+            <a:r>
+              <a:rPr lang="hu-HU" dirty="0">
+                <a:cs typeface="Calibri Light"/>
+              </a:rPr>
+              <a:t>A koaxiális kábel története</a:t>
+            </a:r>
+            <a:endParaRPr lang="hu-HU" dirty="0"/>
+          </a:p>
+        </p:txBody>
+      </p:sp>
+      <p:sp>
+        <p:nvSpPr>
+          <p:cNvPr id="3" name="Tartalom helye 2">
+            <a:extLst>
+              <a:ext uri="{FF2B5EF4-FFF2-40B4-BE49-F238E27FC236}">
+                <a16:creationId xmlns:a16="http://schemas.microsoft.com/office/drawing/2014/main" id="{B8D39056-ED3F-4281-E6C2-514E8FD2896F}"/>
+              </a:ext>
+            </a:extLst>
+          </p:cNvPr>
+          <p:cNvSpPr>
+            <a:spLocks noGrp="1"/>
+          </p:cNvSpPr>
+          <p:nvPr>
+            <p:ph idx="1"/>
+          </p:nvPr>
+        </p:nvSpPr>
+        <p:spPr/>
+        <p:txBody>
+          <a:bodyPr vert="horz" lIns="91440" tIns="45720" rIns="91440" bIns="45720" rtlCol="0" anchor="t">
+            <a:normAutofit/>
+          </a:bodyPr>
+          <a:lstStyle/>
+          <a:p>
+            <a:pPr marL="0" indent="0">
+              <a:buNone/>
+            </a:pPr>
+            <a:r>
+              <a:rPr lang="hu-HU" dirty="0">
+                <a:solidFill>
+                  <a:srgbClr val="000000"/>
+                </a:solidFill>
+                <a:latin typeface="Calibri"/>
+                <a:cs typeface="Calibri"/>
+              </a:rPr>
+              <a:t>Oliver </a:t>
+            </a:r>
+            <a:r>
+              <a:rPr lang="hu-HU" dirty="0" err="1">
+                <a:solidFill>
+                  <a:srgbClr val="000000"/>
+                </a:solidFill>
+                <a:latin typeface="Calibri"/>
+                <a:cs typeface="Calibri"/>
+              </a:rPr>
+              <a:t>Heaviside</a:t>
+            </a:r>
+            <a:r>
+              <a:rPr lang="hu-HU" dirty="0">
+                <a:solidFill>
+                  <a:srgbClr val="000000"/>
+                </a:solidFill>
+                <a:latin typeface="Calibri"/>
+                <a:cs typeface="Calibri"/>
+              </a:rPr>
+              <a:t> fejlesztette ki. </a:t>
+            </a:r>
+          </a:p>
+          <a:p>
+            <a:pPr marL="457200" indent="-457200"/>
+            <a:r>
+              <a:rPr lang="hu-HU" dirty="0">
+                <a:solidFill>
+                  <a:srgbClr val="000000"/>
+                </a:solidFill>
+                <a:latin typeface="Calibri"/>
+                <a:cs typeface="Calibri"/>
+              </a:rPr>
+              <a:t>1880</a:t>
+            </a:r>
+          </a:p>
+          <a:p>
+            <a:r>
+              <a:rPr lang="hu-HU" dirty="0">
+                <a:solidFill>
+                  <a:srgbClr val="000000"/>
+                </a:solidFill>
+                <a:latin typeface="Calibri"/>
+                <a:cs typeface="Calibri"/>
+              </a:rPr>
+              <a:t>Született: 1850. május 18</a:t>
+            </a:r>
+          </a:p>
+          <a:p>
+            <a:r>
+              <a:rPr lang="hu-HU" dirty="0">
+                <a:solidFill>
+                  <a:srgbClr val="000000"/>
+                </a:solidFill>
+                <a:latin typeface="Calibri"/>
+                <a:cs typeface="Calibri"/>
+              </a:rPr>
+              <a:t>Meghalt: 1925. február 3.</a:t>
+            </a:r>
+            <a:endParaRPr lang="hu-HU" dirty="0"/>
+          </a:p>
+          <a:p>
+            <a:endParaRPr lang="hu-HU" dirty="0">
+              <a:cs typeface="Calibri"/>
+            </a:endParaRPr>
+          </a:p>
+        </p:txBody>
+      </p:sp>
+      <p:pic>
+        <p:nvPicPr>
+          <p:cNvPr id="4" name="Kép 3" descr="A képen ruházat, Emberi arc, szöveg, személy látható&#10;&#10;Automatikusan generált leírás">
+            <a:extLst>
+              <a:ext uri="{FF2B5EF4-FFF2-40B4-BE49-F238E27FC236}">
+                <a16:creationId xmlns:a16="http://schemas.microsoft.com/office/drawing/2014/main" id="{57BC781E-7475-0334-BF78-44B49ABA62BD}"/>
+              </a:ext>
+            </a:extLst>
+          </p:cNvPr>
+          <p:cNvPicPr>
+            <a:picLocks noChangeAspect="1"/>
+          </p:cNvPicPr>
+          <p:nvPr/>
+        </p:nvPicPr>
+        <p:blipFill>
+          <a:blip r:embed="rId2"/>
+          <a:stretch>
+            <a:fillRect/>
+          </a:stretch>
+        </p:blipFill>
+        <p:spPr>
+          <a:xfrm>
+            <a:off x="7472024" y="831953"/>
+            <a:ext cx="3575538" cy="4702829"/>
+          </a:xfrm>
+          <a:prstGeom prst="rect">
+            <a:avLst/>
+          </a:prstGeom>
+        </p:spPr>
+      </p:pic>
+    </p:spTree>
+    <p:extLst>
+      <p:ext uri="{BB962C8B-B14F-4D97-AF65-F5344CB8AC3E}">
+        <p14:creationId xmlns:p14="http://schemas.microsoft.com/office/powerpoint/2010/main" val="2184210743"/>
+      </p:ext>
+    </p:extLst>
+  </p:cSld>
+  <p:clrMapOvr>
+    <a:masterClrMapping/>
+  </p:clrMapOvr>
+</p:sld>
+</file>
+
+<file path=ppt/slides/slide5.xml><?xml version="1.0" encoding="utf-8"?>
+<p:sld xmlns:a="http://schemas.openxmlformats.org/drawingml/2006/main" xmlns:r="http://schemas.openxmlformats.org/officeDocument/2006/relationships" xmlns:p="http://schemas.openxmlformats.org/presentationml/2006/main">
+  <p:cSld>
+    <p:spTree>
+      <p:nvGrpSpPr>
+        <p:cNvPr id="1" name=""/>
+        <p:cNvGrpSpPr/>
+        <p:nvPr/>
+      </p:nvGrpSpPr>
+      <p:grpSpPr>
+        <a:xfrm>
+          <a:off x="0" y="0"/>
+          <a:ext cx="0" cy="0"/>
+          <a:chOff x="0" y="0"/>
+          <a:chExt cx="0" cy="0"/>
+        </a:xfrm>
+      </p:grpSpPr>
+      <p:sp>
+        <p:nvSpPr>
+          <p:cNvPr id="2" name="Cím 1">
+            <a:extLst>
+              <a:ext uri="{FF2B5EF4-FFF2-40B4-BE49-F238E27FC236}">
+                <a16:creationId xmlns:a16="http://schemas.microsoft.com/office/drawing/2014/main" id="{A2C5D0A0-988C-7549-2A69-9144D22D5E10}"/>
+              </a:ext>
+            </a:extLst>
+          </p:cNvPr>
+          <p:cNvSpPr>
+            <a:spLocks noGrp="1"/>
+          </p:cNvSpPr>
+          <p:nvPr>
+            <p:ph type="title"/>
+          </p:nvPr>
+        </p:nvSpPr>
+        <p:spPr/>
+        <p:txBody>
+          <a:bodyPr/>
+          <a:lstStyle/>
+          <a:p>
+            <a:r>
+              <a:rPr lang="hu-HU" dirty="0">
+                <a:cs typeface="Calibri Light"/>
+              </a:rPr>
+              <a:t>A koaxiális kábel</a:t>
+            </a:r>
+            <a:endParaRPr lang="hu-HU" dirty="0"/>
+          </a:p>
+        </p:txBody>
+      </p:sp>
+      <p:sp>
+        <p:nvSpPr>
+          <p:cNvPr id="3" name="Tartalom helye 2">
+            <a:extLst>
+              <a:ext uri="{FF2B5EF4-FFF2-40B4-BE49-F238E27FC236}">
+                <a16:creationId xmlns:a16="http://schemas.microsoft.com/office/drawing/2014/main" id="{A2173599-19ED-A9F9-90A7-0006FD06CCF7}"/>
+              </a:ext>
+            </a:extLst>
+          </p:cNvPr>
+          <p:cNvSpPr>
+            <a:spLocks noGrp="1"/>
+          </p:cNvSpPr>
+          <p:nvPr>
+            <p:ph idx="1"/>
+          </p:nvPr>
+        </p:nvSpPr>
+        <p:spPr/>
+        <p:txBody>
+          <a:bodyPr vert="horz" lIns="91440" tIns="45720" rIns="91440" bIns="45720" rtlCol="0" anchor="t">
+            <a:normAutofit/>
+          </a:bodyPr>
+          <a:lstStyle/>
+          <a:p>
+            <a:r>
+              <a:rPr lang="hu-HU" sz="2400" dirty="0">
+                <a:solidFill>
+                  <a:srgbClr val="58585B"/>
+                </a:solidFill>
+                <a:latin typeface="Times New Roman"/>
+                <a:cs typeface="Times New Roman"/>
+              </a:rPr>
+              <a:t>A koaxiális kábel - vagy röviden </a:t>
+            </a:r>
+            <a:r>
+              <a:rPr lang="hu-HU" sz="2400" dirty="0" err="1">
+                <a:solidFill>
+                  <a:srgbClr val="58585B"/>
+                </a:solidFill>
+                <a:latin typeface="Times New Roman"/>
+                <a:cs typeface="Times New Roman"/>
+              </a:rPr>
+              <a:t>koax</a:t>
+            </a:r>
+            <a:r>
+              <a:rPr lang="hu-HU" sz="2400" dirty="0">
+                <a:solidFill>
+                  <a:srgbClr val="58585B"/>
+                </a:solidFill>
+                <a:latin typeface="Times New Roman"/>
+                <a:cs typeface="Times New Roman"/>
+              </a:rPr>
+              <a:t> - elnevezés a vezeték szerkezetéből származik, mivel két vezető egy közös tengelyen (</a:t>
+            </a:r>
+            <a:r>
+              <a:rPr lang="hu-HU" sz="2400" dirty="0" err="1">
+                <a:solidFill>
+                  <a:srgbClr val="58585B"/>
+                </a:solidFill>
+                <a:latin typeface="Times New Roman"/>
+                <a:cs typeface="Times New Roman"/>
+              </a:rPr>
+              <a:t>axis</a:t>
+            </a:r>
+            <a:r>
+              <a:rPr lang="hu-HU" sz="2400" dirty="0">
+                <a:solidFill>
+                  <a:srgbClr val="58585B"/>
+                </a:solidFill>
+                <a:latin typeface="Times New Roman"/>
+                <a:cs typeface="Times New Roman"/>
+              </a:rPr>
+              <a:t>) osztozik.</a:t>
+            </a:r>
+            <a:endParaRPr lang="hu-HU" sz="2400" dirty="0">
+              <a:solidFill>
+                <a:srgbClr val="202124"/>
+              </a:solidFill>
+              <a:latin typeface="Times New Roman"/>
+              <a:cs typeface="Times New Roman"/>
+            </a:endParaRPr>
+          </a:p>
+          <a:p>
+            <a:r>
+              <a:rPr lang="hu-HU" sz="2400" dirty="0">
+                <a:solidFill>
+                  <a:srgbClr val="202124"/>
+                </a:solidFill>
+                <a:latin typeface="Times New Roman"/>
+                <a:cs typeface="Times New Roman"/>
+              </a:rPr>
+              <a:t>Olyan vezetéktípus, ami egy belső vezető érből, dielektrikumból, fémhálóból és külső szigetelésből áll</a:t>
+            </a:r>
+            <a:endParaRPr lang="hu-HU"/>
+          </a:p>
+          <a:p>
+            <a:r>
+              <a:rPr lang="hu-HU" sz="2400" dirty="0">
+                <a:solidFill>
+                  <a:srgbClr val="202124"/>
+                </a:solidFill>
+                <a:latin typeface="Times New Roman"/>
+                <a:cs typeface="Times New Roman"/>
+              </a:rPr>
+              <a:t>Mára eléggé elavult, de néhány helyen még használjuk</a:t>
+            </a:r>
+          </a:p>
+          <a:p>
+            <a:r>
+              <a:rPr lang="hu-HU" sz="2400" dirty="0">
+                <a:solidFill>
+                  <a:srgbClr val="202124"/>
+                </a:solidFill>
+                <a:latin typeface="Times New Roman"/>
+                <a:cs typeface="Times New Roman"/>
+              </a:rPr>
+              <a:t>Fémháló -) elektromos árnyékolás</a:t>
+            </a:r>
+          </a:p>
+          <a:p>
+            <a:endParaRPr lang="hu-HU" sz="2400" dirty="0">
+              <a:solidFill>
+                <a:srgbClr val="58585B"/>
+              </a:solidFill>
+              <a:latin typeface="Times New Roman"/>
+              <a:cs typeface="Arial"/>
+            </a:endParaRPr>
+          </a:p>
+        </p:txBody>
+      </p:sp>
+      <p:pic>
+        <p:nvPicPr>
+          <p:cNvPr id="4" name="Kép 3">
+            <a:extLst>
+              <a:ext uri="{FF2B5EF4-FFF2-40B4-BE49-F238E27FC236}">
+                <a16:creationId xmlns:a16="http://schemas.microsoft.com/office/drawing/2014/main" id="{7C668EC6-747F-D1F8-A5BF-32CF9E55D4F6}"/>
+              </a:ext>
+            </a:extLst>
+          </p:cNvPr>
+          <p:cNvPicPr>
+            <a:picLocks noChangeAspect="1"/>
+          </p:cNvPicPr>
+          <p:nvPr/>
+        </p:nvPicPr>
+        <p:blipFill>
+          <a:blip r:embed="rId2"/>
+          <a:stretch>
+            <a:fillRect/>
+          </a:stretch>
+        </p:blipFill>
+        <p:spPr>
+          <a:xfrm>
+            <a:off x="5141343" y="4469319"/>
+            <a:ext cx="6366294" cy="1714986"/>
+          </a:xfrm>
+          <a:prstGeom prst="rect">
+            <a:avLst/>
+          </a:prstGeom>
+        </p:spPr>
+      </p:pic>
+    </p:spTree>
+    <p:extLst>
+      <p:ext uri="{BB962C8B-B14F-4D97-AF65-F5344CB8AC3E}">
+        <p14:creationId xmlns:p14="http://schemas.microsoft.com/office/powerpoint/2010/main" val="1238707336"/>
+      </p:ext>
+    </p:extLst>
+  </p:cSld>
+  <p:clrMapOvr>
+    <a:masterClrMapping/>
+  </p:clrMapOvr>
+</p:sld>
+</file>
+
+<file path=ppt/slides/slide6.xml><?xml version="1.0" encoding="utf-8"?>
+<p:sld xmlns:a="http://schemas.openxmlformats.org/drawingml/2006/main" xmlns:r="http://schemas.openxmlformats.org/officeDocument/2006/relationships" xmlns:p="http://schemas.openxmlformats.org/presentationml/2006/main">
+  <p:cSld>
+    <p:spTree>
+      <p:nvGrpSpPr>
+        <p:cNvPr id="1" name=""/>
+        <p:cNvGrpSpPr/>
+        <p:nvPr/>
+      </p:nvGrpSpPr>
+      <p:grpSpPr>
+        <a:xfrm>
+          <a:off x="0" y="0"/>
+          <a:ext cx="0" cy="0"/>
+          <a:chOff x="0" y="0"/>
+          <a:chExt cx="0" cy="0"/>
+        </a:xfrm>
+      </p:grpSpPr>
+      <p:sp>
+        <p:nvSpPr>
+          <p:cNvPr id="2" name="Cím 1">
+            <a:extLst>
+              <a:ext uri="{FF2B5EF4-FFF2-40B4-BE49-F238E27FC236}">
+                <a16:creationId xmlns:a16="http://schemas.microsoft.com/office/drawing/2014/main" id="{02188EB3-B931-5D1A-47D1-763607AAB2A3}"/>
+              </a:ext>
+            </a:extLst>
+          </p:cNvPr>
+          <p:cNvSpPr>
+            <a:spLocks noGrp="1"/>
+          </p:cNvSpPr>
+          <p:nvPr>
+            <p:ph type="title"/>
+          </p:nvPr>
+        </p:nvSpPr>
+        <p:spPr/>
+        <p:txBody>
+          <a:bodyPr/>
+          <a:lstStyle/>
+          <a:p>
+            <a:r>
+              <a:rPr lang="hu-HU" dirty="0">
+                <a:cs typeface="Calibri Light"/>
+              </a:rPr>
+              <a:t>A koaxiális kábel csatlakozói</a:t>
+            </a:r>
+            <a:endParaRPr lang="hu-HU" dirty="0"/>
+          </a:p>
+        </p:txBody>
+      </p:sp>
+      <p:sp>
+        <p:nvSpPr>
+          <p:cNvPr id="3" name="Tartalom helye 2">
+            <a:extLst>
+              <a:ext uri="{FF2B5EF4-FFF2-40B4-BE49-F238E27FC236}">
+                <a16:creationId xmlns:a16="http://schemas.microsoft.com/office/drawing/2014/main" id="{EB330F46-F6EC-8BFE-2229-24BBCBCB24E7}"/>
+              </a:ext>
+            </a:extLst>
+          </p:cNvPr>
+          <p:cNvSpPr>
+            <a:spLocks noGrp="1"/>
+          </p:cNvSpPr>
+          <p:nvPr>
+            <p:ph idx="1"/>
+          </p:nvPr>
+        </p:nvSpPr>
+        <p:spPr/>
+        <p:txBody>
+          <a:bodyPr vert="horz" lIns="91440" tIns="45720" rIns="91440" bIns="45720" rtlCol="0" anchor="t">
+            <a:normAutofit/>
+          </a:bodyPr>
+          <a:lstStyle/>
+          <a:p>
+            <a:r>
+              <a:rPr lang="hu-HU" dirty="0">
+                <a:cs typeface="Calibri"/>
+              </a:rPr>
+              <a:t>BNC</a:t>
+            </a:r>
+          </a:p>
+          <a:p>
+            <a:r>
+              <a:rPr lang="hu-HU" dirty="0">
+                <a:cs typeface="Calibri"/>
+              </a:rPr>
+              <a:t>F </a:t>
+            </a:r>
+            <a:r>
+              <a:rPr lang="hu-HU" dirty="0" err="1">
+                <a:cs typeface="Calibri"/>
+              </a:rPr>
+              <a:t>type</a:t>
+            </a:r>
+          </a:p>
+          <a:p>
+            <a:r>
+              <a:rPr lang="hu-HU" dirty="0">
+                <a:cs typeface="Calibri"/>
+              </a:rPr>
+              <a:t>N </a:t>
+            </a:r>
+            <a:r>
+              <a:rPr lang="hu-HU" dirty="0" err="1">
+                <a:cs typeface="Calibri"/>
+              </a:rPr>
+              <a:t>type</a:t>
+            </a:r>
+          </a:p>
+        </p:txBody>
+      </p:sp>
+      <p:pic>
+        <p:nvPicPr>
+          <p:cNvPr id="4" name="Kép 3" descr="A képen Háztartási vasáru, rögzítő, fém, henger látható&#10;&#10;Automatikusan generált leírás">
+            <a:extLst>
+              <a:ext uri="{FF2B5EF4-FFF2-40B4-BE49-F238E27FC236}">
+                <a16:creationId xmlns:a16="http://schemas.microsoft.com/office/drawing/2014/main" id="{91264730-538A-B185-920A-CCF5D57F036B}"/>
+              </a:ext>
+            </a:extLst>
+          </p:cNvPr>
+          <p:cNvPicPr>
+            <a:picLocks noChangeAspect="1"/>
+          </p:cNvPicPr>
+          <p:nvPr/>
+        </p:nvPicPr>
+        <p:blipFill>
+          <a:blip r:embed="rId2"/>
+          <a:stretch>
+            <a:fillRect/>
+          </a:stretch>
+        </p:blipFill>
+        <p:spPr>
+          <a:xfrm>
+            <a:off x="6406382" y="1696353"/>
+            <a:ext cx="5029199" cy="2440224"/>
+          </a:xfrm>
+          <a:prstGeom prst="rect">
+            <a:avLst/>
+          </a:prstGeom>
+        </p:spPr>
+      </p:pic>
+    </p:spTree>
+    <p:extLst>
+      <p:ext uri="{BB962C8B-B14F-4D97-AF65-F5344CB8AC3E}">
+        <p14:creationId xmlns:p14="http://schemas.microsoft.com/office/powerpoint/2010/main" val="3347199342"/>
+      </p:ext>
+    </p:extLst>
+  </p:cSld>
+  <p:clrMapOvr>
+    <a:masterClrMapping/>
+  </p:clrMapOvr>
+</p:sld>
+</file>
+
+<file path=ppt/slides/slide7.xml><?xml version="1.0" encoding="utf-8"?>
+<p:sld xmlns:a="http://schemas.openxmlformats.org/drawingml/2006/main" xmlns:r="http://schemas.openxmlformats.org/officeDocument/2006/relationships" xmlns:p="http://schemas.openxmlformats.org/presentationml/2006/main">
+  <p:cSld>
+    <p:spTree>
+      <p:nvGrpSpPr>
+        <p:cNvPr id="1" name=""/>
+        <p:cNvGrpSpPr/>
+        <p:nvPr/>
+      </p:nvGrpSpPr>
+      <p:grpSpPr>
+        <a:xfrm>
+          <a:off x="0" y="0"/>
+          <a:ext cx="0" cy="0"/>
+          <a:chOff x="0" y="0"/>
+          <a:chExt cx="0" cy="0"/>
+        </a:xfrm>
+      </p:grpSpPr>
+      <p:sp>
+        <p:nvSpPr>
+          <p:cNvPr id="2" name="Cím 1">
+            <a:extLst>
+              <a:ext uri="{FF2B5EF4-FFF2-40B4-BE49-F238E27FC236}">
+                <a16:creationId xmlns:a16="http://schemas.microsoft.com/office/drawing/2014/main" id="{78C16E52-1D8C-FBC6-8C07-B7ED6A80C932}"/>
+              </a:ext>
+            </a:extLst>
+          </p:cNvPr>
+          <p:cNvSpPr>
+            <a:spLocks noGrp="1"/>
+          </p:cNvSpPr>
+          <p:nvPr>
+            <p:ph type="title"/>
+          </p:nvPr>
+        </p:nvSpPr>
+        <p:spPr/>
+        <p:txBody>
+          <a:bodyPr/>
+          <a:lstStyle/>
+          <a:p>
+            <a:r>
+              <a:rPr lang="hu-HU" dirty="0">
+                <a:cs typeface="Calibri Light"/>
+              </a:rPr>
+              <a:t>A koaxiális kábel csatlakozói (BNC)</a:t>
+            </a:r>
+            <a:endParaRPr lang="hu-HU" dirty="0"/>
+          </a:p>
+        </p:txBody>
+      </p:sp>
+      <p:sp>
+        <p:nvSpPr>
+          <p:cNvPr id="3" name="Tartalom helye 2">
+            <a:extLst>
+              <a:ext uri="{FF2B5EF4-FFF2-40B4-BE49-F238E27FC236}">
+                <a16:creationId xmlns:a16="http://schemas.microsoft.com/office/drawing/2014/main" id="{D5A94C2B-9855-7ED5-DA13-25035381D15D}"/>
+              </a:ext>
+            </a:extLst>
+          </p:cNvPr>
+          <p:cNvSpPr>
+            <a:spLocks noGrp="1"/>
+          </p:cNvSpPr>
+          <p:nvPr>
+            <p:ph idx="1"/>
+          </p:nvPr>
+        </p:nvSpPr>
+        <p:spPr/>
+        <p:txBody>
+          <a:bodyPr vert="horz" lIns="91440" tIns="45720" rIns="91440" bIns="45720" rtlCol="0" anchor="t">
+            <a:normAutofit/>
+          </a:bodyPr>
+          <a:lstStyle/>
+          <a:p>
+            <a:r>
+              <a:rPr lang="hu-HU" sz="2400" dirty="0">
+                <a:solidFill>
+                  <a:srgbClr val="000000"/>
+                </a:solidFill>
+                <a:latin typeface="Times New Roman"/>
+                <a:ea typeface="+mn-lt"/>
+                <a:cs typeface="+mn-lt"/>
+              </a:rPr>
+              <a:t>Paul Neill </a:t>
+            </a:r>
+            <a:r>
+              <a:rPr lang="hu-HU" sz="2400" dirty="0">
+                <a:solidFill>
+                  <a:srgbClr val="202122"/>
+                </a:solidFill>
+                <a:latin typeface="Times New Roman"/>
+                <a:ea typeface="+mn-lt"/>
+                <a:cs typeface="+mn-lt"/>
+              </a:rPr>
+              <a:t>(</a:t>
+            </a:r>
+            <a:r>
+              <a:rPr lang="hu-HU" sz="2400" err="1">
+                <a:solidFill>
+                  <a:srgbClr val="202122"/>
+                </a:solidFill>
+                <a:latin typeface="Times New Roman"/>
+                <a:ea typeface="+mn-lt"/>
+                <a:cs typeface="+mn-lt"/>
+              </a:rPr>
+              <a:t>September</a:t>
+            </a:r>
+            <a:r>
+              <a:rPr lang="hu-HU" sz="2400" dirty="0">
+                <a:solidFill>
+                  <a:srgbClr val="202122"/>
+                </a:solidFill>
+                <a:latin typeface="Times New Roman"/>
+                <a:ea typeface="+mn-lt"/>
+                <a:cs typeface="+mn-lt"/>
+              </a:rPr>
+              <a:t> 6, 1882 – </a:t>
+            </a:r>
+            <a:r>
+              <a:rPr lang="hu-HU" sz="2400" err="1">
+                <a:solidFill>
+                  <a:srgbClr val="202122"/>
+                </a:solidFill>
+                <a:latin typeface="Times New Roman"/>
+                <a:ea typeface="+mn-lt"/>
+                <a:cs typeface="+mn-lt"/>
+              </a:rPr>
+              <a:t>October</a:t>
+            </a:r>
+            <a:r>
+              <a:rPr lang="hu-HU" sz="2400" dirty="0">
+                <a:solidFill>
+                  <a:srgbClr val="202122"/>
+                </a:solidFill>
+                <a:latin typeface="Times New Roman"/>
+                <a:ea typeface="+mn-lt"/>
+                <a:cs typeface="+mn-lt"/>
+              </a:rPr>
+              <a:t> 1968)</a:t>
+            </a:r>
+            <a:r>
+              <a:rPr lang="hu-HU" sz="2400" dirty="0">
+                <a:solidFill>
+                  <a:srgbClr val="000000"/>
+                </a:solidFill>
+                <a:latin typeface="Times New Roman"/>
+                <a:ea typeface="+mn-lt"/>
+                <a:cs typeface="+mn-lt"/>
+              </a:rPr>
+              <a:t> és Carl </a:t>
+            </a:r>
+            <a:r>
+              <a:rPr lang="hu-HU" sz="2400" err="1">
+                <a:solidFill>
+                  <a:srgbClr val="000000"/>
+                </a:solidFill>
+                <a:latin typeface="Times New Roman"/>
+                <a:ea typeface="+mn-lt"/>
+                <a:cs typeface="+mn-lt"/>
+              </a:rPr>
+              <a:t>Concelman</a:t>
+            </a:r>
+            <a:r>
+              <a:rPr lang="hu-HU" sz="2400" dirty="0">
+                <a:solidFill>
+                  <a:srgbClr val="202122"/>
+                </a:solidFill>
+                <a:latin typeface="Times New Roman"/>
+                <a:ea typeface="+mn-lt"/>
+                <a:cs typeface="+mn-lt"/>
+              </a:rPr>
+              <a:t> (December 23, 1912 – August 1975)</a:t>
+            </a:r>
+            <a:r>
+              <a:rPr lang="hu-HU" sz="2400" baseline="30000" dirty="0">
+                <a:solidFill>
+                  <a:srgbClr val="3366CC"/>
+                </a:solidFill>
+                <a:latin typeface="Times New Roman"/>
+                <a:ea typeface="+mn-lt"/>
+                <a:cs typeface="+mn-lt"/>
+                <a:hlinkClick r:id="rId2"/>
+              </a:rPr>
+              <a:t>[</a:t>
+            </a:r>
+            <a:r>
+              <a:rPr lang="hu-HU" sz="2400" dirty="0">
+                <a:solidFill>
+                  <a:srgbClr val="000000"/>
+                </a:solidFill>
+                <a:latin typeface="Times New Roman"/>
+                <a:ea typeface="+mn-lt"/>
+                <a:cs typeface="+mn-lt"/>
+              </a:rPr>
+              <a:t> fejlesztette ki</a:t>
+            </a:r>
+          </a:p>
+          <a:p>
+            <a:r>
+              <a:rPr lang="hu-HU" sz="2400" dirty="0">
+                <a:solidFill>
+                  <a:srgbClr val="000000"/>
+                </a:solidFill>
+                <a:latin typeface="Times New Roman"/>
+                <a:cs typeface="Calibri"/>
+              </a:rPr>
+              <a:t>1940</a:t>
+            </a:r>
+          </a:p>
+          <a:p>
+            <a:r>
+              <a:rPr lang="hu-HU" sz="2400" dirty="0">
+                <a:solidFill>
+                  <a:srgbClr val="000000"/>
+                </a:solidFill>
+                <a:latin typeface="Times New Roman"/>
+                <a:cs typeface="Calibri"/>
+              </a:rPr>
+              <a:t>Tv, Rádió, rádió frekvenciás eszközökhöz</a:t>
+            </a:r>
+          </a:p>
+        </p:txBody>
+      </p:sp>
+      <p:pic>
+        <p:nvPicPr>
+          <p:cNvPr id="4" name="Kép 3" descr="A képen összekötő, Háztartási vasáru, kábel, ezüst látható&#10;&#10;Automatikusan generált leírás">
+            <a:extLst>
+              <a:ext uri="{FF2B5EF4-FFF2-40B4-BE49-F238E27FC236}">
+                <a16:creationId xmlns:a16="http://schemas.microsoft.com/office/drawing/2014/main" id="{F4B975C2-B498-1C1A-B5B4-C1AB3E640C71}"/>
+              </a:ext>
+            </a:extLst>
+          </p:cNvPr>
+          <p:cNvPicPr>
+            <a:picLocks noChangeAspect="1"/>
+          </p:cNvPicPr>
+          <p:nvPr/>
+        </p:nvPicPr>
+        <p:blipFill>
+          <a:blip r:embed="rId3"/>
+          <a:stretch>
+            <a:fillRect/>
+          </a:stretch>
+        </p:blipFill>
+        <p:spPr>
+          <a:xfrm>
+            <a:off x="7158666" y="2667989"/>
+            <a:ext cx="4358855" cy="3017268"/>
+          </a:xfrm>
+          <a:prstGeom prst="rect">
+            <a:avLst/>
+          </a:prstGeom>
+        </p:spPr>
+      </p:pic>
+    </p:spTree>
+    <p:extLst>
+      <p:ext uri="{BB962C8B-B14F-4D97-AF65-F5344CB8AC3E}">
+        <p14:creationId xmlns:p14="http://schemas.microsoft.com/office/powerpoint/2010/main" val="1869704827"/>
+      </p:ext>
+    </p:extLst>
+  </p:cSld>
+  <p:clrMapOvr>
+    <a:masterClrMapping/>
+  </p:clrMapOvr>
+</p:sld>
+</file>
+
+<file path=ppt/slides/slide8.xml><?xml version="1.0" encoding="utf-8"?>
+<p:sld xmlns:a="http://schemas.openxmlformats.org/drawingml/2006/main" xmlns:r="http://schemas.openxmlformats.org/officeDocument/2006/relationships" xmlns:p="http://schemas.openxmlformats.org/presentationml/2006/main">
+  <p:cSld>
+    <p:spTree>
+      <p:nvGrpSpPr>
+        <p:cNvPr id="1" name=""/>
+        <p:cNvGrpSpPr/>
+        <p:nvPr/>
+      </p:nvGrpSpPr>
+      <p:grpSpPr>
+        <a:xfrm>
+          <a:off x="0" y="0"/>
+          <a:ext cx="0" cy="0"/>
+          <a:chOff x="0" y="0"/>
+          <a:chExt cx="0" cy="0"/>
+        </a:xfrm>
+      </p:grpSpPr>
+      <p:sp>
+        <p:nvSpPr>
+          <p:cNvPr id="2" name="Cím 1">
+            <a:extLst>
+              <a:ext uri="{FF2B5EF4-FFF2-40B4-BE49-F238E27FC236}">
+                <a16:creationId xmlns:a16="http://schemas.microsoft.com/office/drawing/2014/main" id="{77F9C1E9-A721-78CB-35C7-B87F844A050C}"/>
+              </a:ext>
+            </a:extLst>
+          </p:cNvPr>
+          <p:cNvSpPr>
+            <a:spLocks noGrp="1"/>
+          </p:cNvSpPr>
+          <p:nvPr>
+            <p:ph type="title"/>
+          </p:nvPr>
+        </p:nvSpPr>
+        <p:spPr/>
+        <p:txBody>
+          <a:bodyPr/>
+          <a:lstStyle/>
+          <a:p>
+            <a:r>
+              <a:rPr lang="hu-HU" dirty="0">
+                <a:cs typeface="Calibri Light"/>
+              </a:rPr>
+              <a:t>A koaxiális kábel csatlakozói (F)</a:t>
+            </a:r>
+            <a:endParaRPr lang="hu-HU" dirty="0"/>
+          </a:p>
+        </p:txBody>
+      </p:sp>
+      <p:sp>
+        <p:nvSpPr>
+          <p:cNvPr id="3" name="Tartalom helye 2">
+            <a:extLst>
+              <a:ext uri="{FF2B5EF4-FFF2-40B4-BE49-F238E27FC236}">
+                <a16:creationId xmlns:a16="http://schemas.microsoft.com/office/drawing/2014/main" id="{30450A69-2B48-704A-8FBD-C0C2E2E104FE}"/>
+              </a:ext>
+            </a:extLst>
+          </p:cNvPr>
+          <p:cNvSpPr>
+            <a:spLocks noGrp="1"/>
+          </p:cNvSpPr>
+          <p:nvPr>
+            <p:ph idx="1"/>
+          </p:nvPr>
+        </p:nvSpPr>
+        <p:spPr>
+          <a:xfrm>
+            <a:off x="435634" y="2084417"/>
+            <a:ext cx="10515600" cy="4351338"/>
+          </a:xfrm>
+        </p:spPr>
+        <p:txBody>
+          <a:bodyPr vert="horz" lIns="91440" tIns="45720" rIns="91440" bIns="45720" rtlCol="0" anchor="t">
+            <a:normAutofit/>
+          </a:bodyPr>
+          <a:lstStyle/>
+          <a:p>
+            <a:r>
+              <a:rPr lang="hu-HU" dirty="0">
+                <a:cs typeface="Calibri"/>
+              </a:rPr>
+              <a:t>Eric E. Winston, </a:t>
+            </a:r>
+            <a:r>
+              <a:rPr lang="hu-HU" dirty="0" err="1"/>
+              <a:t>Jerrold</a:t>
+            </a:r>
+            <a:r>
+              <a:rPr lang="hu-HU" dirty="0"/>
+              <a:t> Electronics</a:t>
+            </a:r>
+            <a:endParaRPr lang="hu-HU" dirty="0">
+              <a:cs typeface="Calibri"/>
+            </a:endParaRPr>
+          </a:p>
+          <a:p>
+            <a:r>
+              <a:rPr lang="hu-HU" dirty="0">
+                <a:cs typeface="Calibri"/>
+              </a:rPr>
+              <a:t>1950 körül</a:t>
+            </a:r>
+          </a:p>
+          <a:p>
+            <a:r>
+              <a:rPr lang="hu-HU" dirty="0">
+                <a:cs typeface="Calibri"/>
+              </a:rPr>
+              <a:t>Általában napelemekhez, tv-khez használjuk</a:t>
+            </a:r>
+          </a:p>
+          <a:p>
+            <a:endParaRPr lang="hu-HU" dirty="0">
+              <a:cs typeface="Calibri"/>
+            </a:endParaRPr>
+          </a:p>
+          <a:p>
+            <a:endParaRPr lang="hu-HU" dirty="0">
+              <a:cs typeface="Calibri"/>
+            </a:endParaRPr>
+          </a:p>
+        </p:txBody>
+      </p:sp>
+      <p:pic>
+        <p:nvPicPr>
+          <p:cNvPr id="4" name="Kép 3" descr="A képen fém, összekötő, Háztartási vasáru, rögzítő látható&#10;&#10;Automatikusan generált leírás">
+            <a:extLst>
+              <a:ext uri="{FF2B5EF4-FFF2-40B4-BE49-F238E27FC236}">
+                <a16:creationId xmlns:a16="http://schemas.microsoft.com/office/drawing/2014/main" id="{9FA0B750-F6B3-BE2E-F239-FD482F9FD7AD}"/>
+              </a:ext>
+            </a:extLst>
+          </p:cNvPr>
+          <p:cNvPicPr>
+            <a:picLocks noChangeAspect="1"/>
+          </p:cNvPicPr>
+          <p:nvPr/>
+        </p:nvPicPr>
+        <p:blipFill>
+          <a:blip r:embed="rId2"/>
+          <a:stretch>
+            <a:fillRect/>
+          </a:stretch>
+        </p:blipFill>
+        <p:spPr>
+          <a:xfrm>
+            <a:off x="7846443" y="2292650"/>
+            <a:ext cx="4205377" cy="3005946"/>
+          </a:xfrm>
+          <a:prstGeom prst="rect">
+            <a:avLst/>
+          </a:prstGeom>
+        </p:spPr>
+      </p:pic>
+    </p:spTree>
+    <p:extLst>
+      <p:ext uri="{BB962C8B-B14F-4D97-AF65-F5344CB8AC3E}">
+        <p14:creationId xmlns:p14="http://schemas.microsoft.com/office/powerpoint/2010/main" val="3266334340"/>
+      </p:ext>
+    </p:extLst>
+  </p:cSld>
+  <p:clrMapOvr>
+    <a:masterClrMapping/>
+  </p:clrMapOvr>
+</p:sld>
+</file>
+
+<file path=ppt/slides/slide9.xml><?xml version="1.0" encoding="utf-8"?>
+<p:sld xmlns:a="http://schemas.openxmlformats.org/drawingml/2006/main" xmlns:r="http://schemas.openxmlformats.org/officeDocument/2006/relationships" xmlns:p="http://schemas.openxmlformats.org/presentationml/2006/main">
+  <p:cSld>
+    <p:spTree>
+      <p:nvGrpSpPr>
+        <p:cNvPr id="1" name=""/>
+        <p:cNvGrpSpPr/>
+        <p:nvPr/>
+      </p:nvGrpSpPr>
+      <p:grpSpPr>
+        <a:xfrm>
+          <a:off x="0" y="0"/>
+          <a:ext cx="0" cy="0"/>
+          <a:chOff x="0" y="0"/>
+          <a:chExt cx="0" cy="0"/>
+        </a:xfrm>
+      </p:grpSpPr>
+      <p:sp>
+        <p:nvSpPr>
+          <p:cNvPr id="2" name="Cím 1">
+            <a:extLst>
+              <a:ext uri="{FF2B5EF4-FFF2-40B4-BE49-F238E27FC236}">
+                <a16:creationId xmlns:a16="http://schemas.microsoft.com/office/drawing/2014/main" id="{B01AEE0C-4A39-EBB9-22E5-BB4576B941A2}"/>
+              </a:ext>
+            </a:extLst>
+          </p:cNvPr>
+          <p:cNvSpPr>
+            <a:spLocks noGrp="1"/>
+          </p:cNvSpPr>
+          <p:nvPr>
+            <p:ph type="title"/>
+          </p:nvPr>
+        </p:nvSpPr>
+        <p:spPr/>
+        <p:txBody>
+          <a:bodyPr/>
+          <a:lstStyle/>
+          <a:p>
+            <a:r>
+              <a:rPr lang="hu-HU" dirty="0">
+                <a:cs typeface="Calibri Light"/>
+              </a:rPr>
+              <a:t>A koaxiális kábel csatlakozói (N)</a:t>
+            </a:r>
+            <a:endParaRPr lang="hu-HU" dirty="0"/>
+          </a:p>
+        </p:txBody>
+      </p:sp>
+      <p:sp>
+        <p:nvSpPr>
+          <p:cNvPr id="3" name="Tartalom helye 2">
+            <a:extLst>
+              <a:ext uri="{FF2B5EF4-FFF2-40B4-BE49-F238E27FC236}">
+                <a16:creationId xmlns:a16="http://schemas.microsoft.com/office/drawing/2014/main" id="{F2234E28-EDED-2129-1DC5-F3C12E06C6D1}"/>
+              </a:ext>
+            </a:extLst>
+          </p:cNvPr>
+          <p:cNvSpPr>
+            <a:spLocks noGrp="1"/>
+          </p:cNvSpPr>
+          <p:nvPr>
+            <p:ph idx="1"/>
+          </p:nvPr>
+        </p:nvSpPr>
+        <p:spPr/>
+        <p:txBody>
+          <a:bodyPr vert="horz" lIns="91440" tIns="45720" rIns="91440" bIns="45720" rtlCol="0" anchor="t">
+            <a:normAutofit/>
+          </a:bodyPr>
+          <a:lstStyle/>
+          <a:p>
+            <a:r>
+              <a:rPr lang="hu-HU" dirty="0">
+                <a:cs typeface="Calibri"/>
+              </a:rPr>
+              <a:t>Paul Neill fejlesztette ki </a:t>
+            </a:r>
+            <a:r>
+              <a:rPr lang="hu-HU" dirty="0">
+                <a:solidFill>
+                  <a:srgbClr val="000000"/>
+                </a:solidFill>
+                <a:ea typeface="+mn-lt"/>
+                <a:cs typeface="+mn-lt"/>
+              </a:rPr>
+              <a:t>(</a:t>
+            </a:r>
+            <a:r>
+              <a:rPr lang="hu-HU" dirty="0" err="1">
+                <a:solidFill>
+                  <a:srgbClr val="000000"/>
+                </a:solidFill>
+                <a:ea typeface="+mn-lt"/>
+                <a:cs typeface="+mn-lt"/>
+              </a:rPr>
+              <a:t>September</a:t>
+            </a:r>
+            <a:r>
+              <a:rPr lang="hu-HU" dirty="0">
+                <a:solidFill>
+                  <a:srgbClr val="000000"/>
+                </a:solidFill>
+                <a:ea typeface="+mn-lt"/>
+                <a:cs typeface="+mn-lt"/>
+              </a:rPr>
+              <a:t> 6, 1882 – </a:t>
+            </a:r>
+            <a:r>
+              <a:rPr lang="hu-HU" dirty="0" err="1">
+                <a:solidFill>
+                  <a:srgbClr val="000000"/>
+                </a:solidFill>
+                <a:ea typeface="+mn-lt"/>
+                <a:cs typeface="+mn-lt"/>
+              </a:rPr>
+              <a:t>October</a:t>
+            </a:r>
+            <a:r>
+              <a:rPr lang="hu-HU" dirty="0">
+                <a:solidFill>
+                  <a:srgbClr val="000000"/>
+                </a:solidFill>
+                <a:ea typeface="+mn-lt"/>
+                <a:cs typeface="+mn-lt"/>
+              </a:rPr>
+              <a:t> 1968)</a:t>
+            </a:r>
+            <a:endParaRPr lang="hu-HU" dirty="0">
+              <a:solidFill>
+                <a:srgbClr val="000000"/>
+              </a:solidFill>
+              <a:cs typeface="Calibri"/>
+            </a:endParaRPr>
+          </a:p>
+          <a:p>
+            <a:r>
+              <a:rPr lang="hu-HU" dirty="0">
+                <a:cs typeface="Calibri"/>
+              </a:rPr>
+              <a:t>1940 körül</a:t>
+            </a:r>
+          </a:p>
+          <a:p>
+            <a:r>
+              <a:rPr lang="hu-HU" dirty="0" err="1">
+                <a:cs typeface="Calibri"/>
+              </a:rPr>
+              <a:t>Koax</a:t>
+            </a:r>
+            <a:r>
+              <a:rPr lang="hu-HU" dirty="0">
+                <a:cs typeface="Calibri"/>
+              </a:rPr>
+              <a:t> kábelek összekötése </a:t>
+            </a:r>
+          </a:p>
+          <a:p>
+            <a:endParaRPr lang="hu-HU" dirty="0">
+              <a:cs typeface="Calibri"/>
+            </a:endParaRPr>
+          </a:p>
+        </p:txBody>
+      </p:sp>
+      <p:pic>
+        <p:nvPicPr>
+          <p:cNvPr id="4" name="Kép 3">
+            <a:extLst>
+              <a:ext uri="{FF2B5EF4-FFF2-40B4-BE49-F238E27FC236}">
+                <a16:creationId xmlns:a16="http://schemas.microsoft.com/office/drawing/2014/main" id="{809CC72F-37E2-FE15-549E-2B4F34FD9BA8}"/>
+              </a:ext>
+            </a:extLst>
+          </p:cNvPr>
+          <p:cNvPicPr>
+            <a:picLocks noChangeAspect="1"/>
+          </p:cNvPicPr>
+          <p:nvPr/>
+        </p:nvPicPr>
+        <p:blipFill>
+          <a:blip r:embed="rId2"/>
+          <a:stretch>
+            <a:fillRect/>
+          </a:stretch>
+        </p:blipFill>
+        <p:spPr>
+          <a:xfrm>
+            <a:off x="7857317" y="3433583"/>
+            <a:ext cx="4025480" cy="2535626"/>
+          </a:xfrm>
+          <a:prstGeom prst="rect">
+            <a:avLst/>
+          </a:prstGeom>
+        </p:spPr>
+      </p:pic>
+    </p:spTree>
+    <p:extLst>
+      <p:ext uri="{BB962C8B-B14F-4D97-AF65-F5344CB8AC3E}">
+        <p14:creationId xmlns:p14="http://schemas.microsoft.com/office/powerpoint/2010/main" val="4266040726"/>
       </p:ext>
     </p:extLst>
   </p:cSld>

--- a/Vezetékes és vezeték nélküli átviteli közegek.pptx
+++ b/Vezetékes és vezeték nélküli átviteli közegek.pptx
@@ -7,13 +7,16 @@
   <p:sldIdLst>
     <p:sldId id="256" r:id="rId2"/>
     <p:sldId id="258" r:id="rId3"/>
-    <p:sldId id="263" r:id="rId4"/>
-    <p:sldId id="257" r:id="rId5"/>
+    <p:sldId id="257" r:id="rId4"/>
+    <p:sldId id="263" r:id="rId5"/>
     <p:sldId id="259" r:id="rId6"/>
     <p:sldId id="260" r:id="rId7"/>
     <p:sldId id="261" r:id="rId8"/>
     <p:sldId id="264" r:id="rId9"/>
     <p:sldId id="262" r:id="rId10"/>
+    <p:sldId id="265" r:id="rId11"/>
+    <p:sldId id="266" r:id="rId12"/>
+    <p:sldId id="267" r:id="rId13"/>
   </p:sldIdLst>
   <p:sldSz cx="12192000" cy="6858000"/>
   <p:notesSz cx="6858000" cy="9144000"/>
@@ -123,6 +126,8 @@
 <file path=ppt/revisionInfo.xml><?xml version="1.0" encoding="utf-8"?>
 <p1510:revInfo xmlns:a="http://schemas.openxmlformats.org/drawingml/2006/main" xmlns:r="http://schemas.openxmlformats.org/officeDocument/2006/relationships" xmlns:p1510="http://schemas.microsoft.com/office/powerpoint/2015/10/main">
   <p1510:revLst>
+    <p1510:client id="{0F670916-D4CC-6CEF-11CC-7AF2D9F68D20}" v="468" dt="2023-09-25T11:18:02.215"/>
+    <p1510:client id="{13AA8008-9D89-9461-6F08-5F1930938101}" v="649" dt="2023-09-25T11:18:05.307"/>
     <p1510:client id="{27580092-B2B8-0A4D-FAC4-52BD101B4348}" v="212" dt="2023-09-21T07:35:12.292"/>
     <p1510:client id="{7DBE7323-263A-4221-9A10-93F189137BCF}" v="439" dt="2023-09-21T07:34:53.592"/>
   </p1510:revLst>
@@ -258,7 +263,7 @@
           <a:p>
             <a:fld id="{D142EEDF-6291-4D07-AACD-26DC6F4E3DD8}" type="datetimeFigureOut">
               <a:rPr lang="hu-HU" smtClean="0"/>
-              <a:t>2023. 09. 21.</a:t>
+              <a:t>2023. 09. 25.</a:t>
             </a:fld>
             <a:endParaRPr lang="hu-HU"/>
           </a:p>
@@ -426,7 +431,7 @@
           <a:p>
             <a:fld id="{D142EEDF-6291-4D07-AACD-26DC6F4E3DD8}" type="datetimeFigureOut">
               <a:rPr lang="hu-HU" smtClean="0"/>
-              <a:t>2023. 09. 21.</a:t>
+              <a:t>2023. 09. 25.</a:t>
             </a:fld>
             <a:endParaRPr lang="hu-HU"/>
           </a:p>
@@ -604,7 +609,7 @@
           <a:p>
             <a:fld id="{D142EEDF-6291-4D07-AACD-26DC6F4E3DD8}" type="datetimeFigureOut">
               <a:rPr lang="hu-HU" smtClean="0"/>
-              <a:t>2023. 09. 21.</a:t>
+              <a:t>2023. 09. 25.</a:t>
             </a:fld>
             <a:endParaRPr lang="hu-HU"/>
           </a:p>
@@ -772,7 +777,7 @@
           <a:p>
             <a:fld id="{D142EEDF-6291-4D07-AACD-26DC6F4E3DD8}" type="datetimeFigureOut">
               <a:rPr lang="hu-HU" smtClean="0"/>
-              <a:t>2023. 09. 21.</a:t>
+              <a:t>2023. 09. 25.</a:t>
             </a:fld>
             <a:endParaRPr lang="hu-HU"/>
           </a:p>
@@ -1017,7 +1022,7 @@
           <a:p>
             <a:fld id="{D142EEDF-6291-4D07-AACD-26DC6F4E3DD8}" type="datetimeFigureOut">
               <a:rPr lang="hu-HU" smtClean="0"/>
-              <a:t>2023. 09. 21.</a:t>
+              <a:t>2023. 09. 25.</a:t>
             </a:fld>
             <a:endParaRPr lang="hu-HU"/>
           </a:p>
@@ -1246,7 +1251,7 @@
           <a:p>
             <a:fld id="{D142EEDF-6291-4D07-AACD-26DC6F4E3DD8}" type="datetimeFigureOut">
               <a:rPr lang="hu-HU" smtClean="0"/>
-              <a:t>2023. 09. 21.</a:t>
+              <a:t>2023. 09. 25.</a:t>
             </a:fld>
             <a:endParaRPr lang="hu-HU"/>
           </a:p>
@@ -1610,7 +1615,7 @@
           <a:p>
             <a:fld id="{D142EEDF-6291-4D07-AACD-26DC6F4E3DD8}" type="datetimeFigureOut">
               <a:rPr lang="hu-HU" smtClean="0"/>
-              <a:t>2023. 09. 21.</a:t>
+              <a:t>2023. 09. 25.</a:t>
             </a:fld>
             <a:endParaRPr lang="hu-HU"/>
           </a:p>
@@ -1727,7 +1732,7 @@
           <a:p>
             <a:fld id="{D142EEDF-6291-4D07-AACD-26DC6F4E3DD8}" type="datetimeFigureOut">
               <a:rPr lang="hu-HU" smtClean="0"/>
-              <a:t>2023. 09. 21.</a:t>
+              <a:t>2023. 09. 25.</a:t>
             </a:fld>
             <a:endParaRPr lang="hu-HU"/>
           </a:p>
@@ -1822,7 +1827,7 @@
           <a:p>
             <a:fld id="{D142EEDF-6291-4D07-AACD-26DC6F4E3DD8}" type="datetimeFigureOut">
               <a:rPr lang="hu-HU" smtClean="0"/>
-              <a:t>2023. 09. 21.</a:t>
+              <a:t>2023. 09. 25.</a:t>
             </a:fld>
             <a:endParaRPr lang="hu-HU"/>
           </a:p>
@@ -2097,7 +2102,7 @@
           <a:p>
             <a:fld id="{D142EEDF-6291-4D07-AACD-26DC6F4E3DD8}" type="datetimeFigureOut">
               <a:rPr lang="hu-HU" smtClean="0"/>
-              <a:t>2023. 09. 21.</a:t>
+              <a:t>2023. 09. 25.</a:t>
             </a:fld>
             <a:endParaRPr lang="hu-HU"/>
           </a:p>
@@ -2349,7 +2354,7 @@
           <a:p>
             <a:fld id="{D142EEDF-6291-4D07-AACD-26DC6F4E3DD8}" type="datetimeFigureOut">
               <a:rPr lang="hu-HU" smtClean="0"/>
-              <a:t>2023. 09. 21.</a:t>
+              <a:t>2023. 09. 25.</a:t>
             </a:fld>
             <a:endParaRPr lang="hu-HU"/>
           </a:p>
@@ -2560,7 +2565,7 @@
           <a:p>
             <a:fld id="{D142EEDF-6291-4D07-AACD-26DC6F4E3DD8}" type="datetimeFigureOut">
               <a:rPr lang="hu-HU" smtClean="0"/>
-              <a:t>2023. 09. 21.</a:t>
+              <a:t>2023. 09. 25.</a:t>
             </a:fld>
             <a:endParaRPr lang="hu-HU"/>
           </a:p>
@@ -2986,23 +2991,23 @@
           <a:lstStyle/>
           <a:p>
             <a:r>
-              <a:rPr lang="hu-HU" sz="5000" b="1" dirty="0">
+              <a:rPr lang="hu-HU" sz="5000" b="1">
                 <a:ea typeface="+mj-lt"/>
                 <a:cs typeface="+mj-lt"/>
               </a:rPr>
               <a:t>Vezetékes és vezeték nélküli átviteli közegek</a:t>
             </a:r>
-            <a:endParaRPr lang="hu-HU" sz="5000" dirty="0">
+            <a:endParaRPr lang="hu-HU" sz="5000">
               <a:cs typeface="Calibri Light"/>
             </a:endParaRPr>
           </a:p>
           <a:p>
-            <a:endParaRPr lang="hu-HU" sz="2000" b="1" dirty="0">
+            <a:endParaRPr lang="hu-HU" sz="2000" b="1">
               <a:cs typeface="Calibri Light"/>
             </a:endParaRPr>
           </a:p>
           <a:p>
-            <a:endParaRPr lang="hu-HU" dirty="0">
+            <a:endParaRPr lang="hu-HU">
               <a:cs typeface="Calibri Light"/>
             </a:endParaRPr>
           </a:p>
@@ -3026,12 +3031,12 @@
           <a:lstStyle/>
           <a:p>
             <a:r>
-              <a:rPr lang="hu-HU" dirty="0">
+              <a:rPr lang="hu-HU">
                 <a:cs typeface="Calibri"/>
               </a:rPr>
               <a:t>Készítette: Péter Dávid, Szekeres Rafael Alex, Varga Szilárd</a:t>
             </a:r>
-            <a:endParaRPr lang="hu-HU" dirty="0"/>
+            <a:endParaRPr lang="hu-HU"/>
           </a:p>
         </p:txBody>
       </p:sp>
@@ -3039,6 +3044,791 @@
     <p:extLst>
       <p:ext uri="{BB962C8B-B14F-4D97-AF65-F5344CB8AC3E}">
         <p14:creationId xmlns:p14="http://schemas.microsoft.com/office/powerpoint/2010/main" val="4020463816"/>
+      </p:ext>
+    </p:extLst>
+  </p:cSld>
+  <p:clrMapOvr>
+    <a:masterClrMapping/>
+  </p:clrMapOvr>
+</p:sld>
+</file>
+
+<file path=ppt/slides/slide10.xml><?xml version="1.0" encoding="utf-8"?>
+<p:sld xmlns:a="http://schemas.openxmlformats.org/drawingml/2006/main" xmlns:r="http://schemas.openxmlformats.org/officeDocument/2006/relationships" xmlns:p="http://schemas.openxmlformats.org/presentationml/2006/main">
+  <p:cSld>
+    <p:spTree>
+      <p:nvGrpSpPr>
+        <p:cNvPr id="1" name=""/>
+        <p:cNvGrpSpPr/>
+        <p:nvPr/>
+      </p:nvGrpSpPr>
+      <p:grpSpPr>
+        <a:xfrm>
+          <a:off x="0" y="0"/>
+          <a:ext cx="0" cy="0"/>
+          <a:chOff x="0" y="0"/>
+          <a:chExt cx="0" cy="0"/>
+        </a:xfrm>
+      </p:grpSpPr>
+      <p:sp>
+        <p:nvSpPr>
+          <p:cNvPr id="2" name="Cím 1">
+            <a:extLst>
+              <a:ext uri="{FF2B5EF4-FFF2-40B4-BE49-F238E27FC236}">
+                <a16:creationId xmlns:a16="http://schemas.microsoft.com/office/drawing/2014/main" id="{6D6EA19A-B7B9-AECC-0EB8-E641CAA3F266}"/>
+              </a:ext>
+            </a:extLst>
+          </p:cNvPr>
+          <p:cNvSpPr>
+            <a:spLocks noGrp="1"/>
+          </p:cNvSpPr>
+          <p:nvPr>
+            <p:ph type="title"/>
+          </p:nvPr>
+        </p:nvSpPr>
+        <p:spPr/>
+        <p:txBody>
+          <a:bodyPr/>
+          <a:lstStyle/>
+          <a:p>
+            <a:r>
+              <a:rPr lang="hu-HU" dirty="0">
+                <a:ea typeface="Calibri Light"/>
+                <a:cs typeface="Calibri Light"/>
+              </a:rPr>
+              <a:t>Hang</a:t>
+            </a:r>
+            <a:endParaRPr lang="hu-HU" dirty="0"/>
+          </a:p>
+        </p:txBody>
+      </p:sp>
+      <p:sp>
+        <p:nvSpPr>
+          <p:cNvPr id="3" name="Tartalom helye 2">
+            <a:extLst>
+              <a:ext uri="{FF2B5EF4-FFF2-40B4-BE49-F238E27FC236}">
+                <a16:creationId xmlns:a16="http://schemas.microsoft.com/office/drawing/2014/main" id="{BFA0EC10-7AFD-1761-50B1-CAA1B02431F3}"/>
+              </a:ext>
+            </a:extLst>
+          </p:cNvPr>
+          <p:cNvSpPr>
+            <a:spLocks noGrp="1"/>
+          </p:cNvSpPr>
+          <p:nvPr>
+            <p:ph idx="1"/>
+          </p:nvPr>
+        </p:nvSpPr>
+        <p:spPr>
+          <a:xfrm>
+            <a:off x="338528" y="1688215"/>
+            <a:ext cx="10515600" cy="4351338"/>
+          </a:xfrm>
+        </p:spPr>
+        <p:txBody>
+          <a:bodyPr vert="horz" lIns="91440" tIns="45720" rIns="91440" bIns="45720" rtlCol="0" anchor="t">
+            <a:normAutofit/>
+          </a:bodyPr>
+          <a:lstStyle/>
+          <a:p>
+            <a:pPr algn="ctr">
+              <a:buNone/>
+            </a:pPr>
+            <a:r>
+              <a:rPr lang="hu-HU" dirty="0">
+                <a:ea typeface="Calibri"/>
+                <a:cs typeface="Calibri"/>
+              </a:rPr>
+              <a:t>2 fajta</a:t>
+            </a:r>
+            <a:endParaRPr lang="hu-HU" dirty="0"/>
+          </a:p>
+          <a:p>
+            <a:pPr>
+              <a:buNone/>
+            </a:pPr>
+            <a:endParaRPr lang="hu-HU" dirty="0">
+              <a:ea typeface="Calibri"/>
+              <a:cs typeface="Calibri"/>
+            </a:endParaRPr>
+          </a:p>
+        </p:txBody>
+      </p:sp>
+      <p:sp>
+        <p:nvSpPr>
+          <p:cNvPr id="4" name="Szövegdoboz 3">
+            <a:extLst>
+              <a:ext uri="{FF2B5EF4-FFF2-40B4-BE49-F238E27FC236}">
+                <a16:creationId xmlns:a16="http://schemas.microsoft.com/office/drawing/2014/main" id="{70BA6332-4A60-7482-C913-2E5A8ACA65D5}"/>
+              </a:ext>
+            </a:extLst>
+          </p:cNvPr>
+          <p:cNvSpPr txBox="1"/>
+          <p:nvPr/>
+        </p:nvSpPr>
+        <p:spPr>
+          <a:xfrm>
+            <a:off x="9571219" y="2121857"/>
+            <a:ext cx="2743200" cy="365760"/>
+          </a:xfrm>
+          <a:prstGeom prst="rect">
+            <a:avLst/>
+          </a:prstGeom>
+          <a:noFill/>
+        </p:spPr>
+        <p:txBody>
+          <a:bodyPr rot="0" spcFirstLastPara="0" vertOverflow="overflow" horzOverflow="overflow" vert="horz" wrap="square" lIns="91440" tIns="45720" rIns="91440" bIns="45720" numCol="1" spcCol="0" rtlCol="0" fromWordArt="0" anchor="t" anchorCtr="0" forceAA="0" compatLnSpc="1">
+            <a:prstTxWarp prst="textNoShape">
+              <a:avLst/>
+            </a:prstTxWarp>
+            <a:spAutoFit/>
+          </a:bodyPr>
+          <a:lstStyle/>
+          <a:p>
+            <a:pPr algn="l"/>
+            <a:r>
+              <a:rPr lang="hu-HU" dirty="0" err="1">
+                <a:ea typeface="Calibri"/>
+                <a:cs typeface="Calibri"/>
+              </a:rPr>
+              <a:t>Mono</a:t>
+            </a:r>
+            <a:endParaRPr lang="hu-HU" dirty="0" err="1"/>
+          </a:p>
+        </p:txBody>
+      </p:sp>
+      <p:sp>
+        <p:nvSpPr>
+          <p:cNvPr id="5" name="Szövegdoboz 4">
+            <a:extLst>
+              <a:ext uri="{FF2B5EF4-FFF2-40B4-BE49-F238E27FC236}">
+                <a16:creationId xmlns:a16="http://schemas.microsoft.com/office/drawing/2014/main" id="{1BE2C4C3-0E86-C69E-3F1E-6294F0674D4F}"/>
+              </a:ext>
+            </a:extLst>
+          </p:cNvPr>
+          <p:cNvSpPr txBox="1"/>
+          <p:nvPr/>
+        </p:nvSpPr>
+        <p:spPr>
+          <a:xfrm>
+            <a:off x="907374" y="2364667"/>
+            <a:ext cx="2743200" cy="365760"/>
+          </a:xfrm>
+          <a:prstGeom prst="rect">
+            <a:avLst/>
+          </a:prstGeom>
+          <a:noFill/>
+        </p:spPr>
+        <p:txBody>
+          <a:bodyPr rot="0" spcFirstLastPara="0" vertOverflow="overflow" horzOverflow="overflow" vert="horz" wrap="square" lIns="91440" tIns="45720" rIns="91440" bIns="45720" numCol="1" spcCol="0" rtlCol="0" fromWordArt="0" anchor="t" anchorCtr="0" forceAA="0" compatLnSpc="1">
+            <a:prstTxWarp prst="textNoShape">
+              <a:avLst/>
+            </a:prstTxWarp>
+            <a:spAutoFit/>
+          </a:bodyPr>
+          <a:lstStyle/>
+          <a:p>
+            <a:pPr algn="l"/>
+            <a:r>
+              <a:rPr lang="hu-HU" dirty="0" err="1">
+                <a:ea typeface="Calibri"/>
+                <a:cs typeface="Calibri"/>
+              </a:rPr>
+              <a:t>Sztereo</a:t>
+            </a:r>
+            <a:endParaRPr lang="hu-HU" dirty="0" err="1"/>
+          </a:p>
+        </p:txBody>
+      </p:sp>
+      <p:sp>
+        <p:nvSpPr>
+          <p:cNvPr id="6" name="Szövegdoboz 5">
+            <a:extLst>
+              <a:ext uri="{FF2B5EF4-FFF2-40B4-BE49-F238E27FC236}">
+                <a16:creationId xmlns:a16="http://schemas.microsoft.com/office/drawing/2014/main" id="{3E1E7F63-9C1F-F8FC-1922-4A9360F9C3F8}"/>
+              </a:ext>
+            </a:extLst>
+          </p:cNvPr>
+          <p:cNvSpPr txBox="1"/>
+          <p:nvPr/>
+        </p:nvSpPr>
+        <p:spPr>
+          <a:xfrm>
+            <a:off x="8108117" y="3207083"/>
+            <a:ext cx="4017363" cy="2400657"/>
+          </a:xfrm>
+          <a:prstGeom prst="rect">
+            <a:avLst/>
+          </a:prstGeom>
+          <a:noFill/>
+        </p:spPr>
+        <p:txBody>
+          <a:bodyPr rot="0" spcFirstLastPara="0" vertOverflow="overflow" horzOverflow="overflow" vert="horz" wrap="square" lIns="91440" tIns="45720" rIns="91440" bIns="45720" numCol="1" spcCol="0" rtlCol="0" fromWordArt="0" anchor="t" anchorCtr="0" forceAA="0" compatLnSpc="1">
+            <a:prstTxWarp prst="textNoShape">
+              <a:avLst/>
+            </a:prstTxWarp>
+            <a:spAutoFit/>
+          </a:bodyPr>
+          <a:lstStyle/>
+          <a:p>
+            <a:pPr marL="342900" indent="-342900" algn="just">
+              <a:buFont typeface="Arial"/>
+              <a:buChar char="•"/>
+            </a:pPr>
+            <a:r>
+              <a:rPr lang="hu-HU" sz="2000">
+                <a:latin typeface="Calibri"/>
+                <a:ea typeface="Calibri"/>
+                <a:cs typeface="Times New Roman"/>
+              </a:rPr>
+              <a:t>egyidejűleg hallható a bal és a jobb oldali hangcsatorna</a:t>
+            </a:r>
+            <a:endParaRPr lang="hu-HU" sz="2000">
+              <a:latin typeface="Calibri"/>
+              <a:ea typeface="Calibri"/>
+              <a:cs typeface="Calibri" panose="020F0502020204030204"/>
+            </a:endParaRPr>
+          </a:p>
+          <a:p>
+            <a:pPr marL="342900" indent="-342900" algn="just">
+              <a:buFont typeface="Arial"/>
+              <a:buChar char="•"/>
+            </a:pPr>
+            <a:r>
+              <a:rPr lang="hu-HU" sz="2000" dirty="0">
+                <a:latin typeface="Calibri"/>
+                <a:ea typeface="Calibri"/>
+                <a:cs typeface="Times New Roman"/>
+              </a:rPr>
+              <a:t>halláskárosodásban szenvedő felhasználóknak jobb,</a:t>
+            </a:r>
+            <a:endParaRPr lang="hu-HU" sz="2000" dirty="0">
+              <a:latin typeface="Calibri"/>
+              <a:ea typeface="Calibri"/>
+              <a:cs typeface="Calibri"/>
+            </a:endParaRPr>
+          </a:p>
+          <a:p>
+            <a:pPr marL="342900" indent="-342900" algn="just">
+              <a:buFont typeface="Arial"/>
+              <a:buChar char="•"/>
+            </a:pPr>
+            <a:r>
+              <a:rPr lang="hu-HU" sz="2000" dirty="0">
+                <a:latin typeface="Calibri"/>
+                <a:ea typeface="Calibri"/>
+                <a:cs typeface="Times New Roman"/>
+              </a:rPr>
+              <a:t>biztonsági szempontok miatt a legfontosabb</a:t>
+            </a:r>
+            <a:endParaRPr lang="hu-HU" sz="2000">
+              <a:latin typeface="Calibri"/>
+              <a:ea typeface="Calibri"/>
+              <a:cs typeface="Calibri"/>
+            </a:endParaRPr>
+          </a:p>
+          <a:p>
+            <a:pPr algn="just"/>
+            <a:endParaRPr lang="hu-HU" sz="1200" dirty="0">
+              <a:latin typeface="Times New Roman"/>
+              <a:ea typeface="Calibri"/>
+              <a:cs typeface="Times New Roman"/>
+            </a:endParaRPr>
+          </a:p>
+          <a:p>
+            <a:pPr algn="l"/>
+            <a:endParaRPr lang="hu-HU" dirty="0">
+              <a:ea typeface="Calibri"/>
+              <a:cs typeface="Calibri"/>
+            </a:endParaRPr>
+          </a:p>
+        </p:txBody>
+      </p:sp>
+      <p:sp>
+        <p:nvSpPr>
+          <p:cNvPr id="7" name="Szövegdoboz 6">
+            <a:extLst>
+              <a:ext uri="{FF2B5EF4-FFF2-40B4-BE49-F238E27FC236}">
+                <a16:creationId xmlns:a16="http://schemas.microsoft.com/office/drawing/2014/main" id="{3B6A1FEB-E3DD-6920-EB90-AD817B16D586}"/>
+              </a:ext>
+            </a:extLst>
+          </p:cNvPr>
+          <p:cNvSpPr txBox="1"/>
+          <p:nvPr/>
+        </p:nvSpPr>
+        <p:spPr>
+          <a:xfrm>
+            <a:off x="431124" y="3112614"/>
+            <a:ext cx="4017363" cy="1200329"/>
+          </a:xfrm>
+          <a:prstGeom prst="rect">
+            <a:avLst/>
+          </a:prstGeom>
+          <a:noFill/>
+        </p:spPr>
+        <p:txBody>
+          <a:bodyPr rot="0" spcFirstLastPara="0" vertOverflow="overflow" horzOverflow="overflow" vert="horz" wrap="square" lIns="91440" tIns="45720" rIns="91440" bIns="45720" numCol="1" spcCol="0" rtlCol="0" fromWordArt="0" anchor="t" anchorCtr="0" forceAA="0" compatLnSpc="1">
+            <a:prstTxWarp prst="textNoShape">
+              <a:avLst/>
+            </a:prstTxWarp>
+            <a:spAutoFit/>
+          </a:bodyPr>
+          <a:lstStyle/>
+          <a:p>
+            <a:pPr marL="285750" indent="-285750" algn="l">
+              <a:buFont typeface="Arial"/>
+              <a:buChar char="•"/>
+            </a:pPr>
+            <a:r>
+              <a:rPr lang="hu-HU" dirty="0">
+                <a:ea typeface="Calibri"/>
+                <a:cs typeface="Calibri"/>
+              </a:rPr>
+              <a:t>Kétcsatornás</a:t>
+            </a:r>
+          </a:p>
+          <a:p>
+            <a:pPr marL="285750" indent="-285750">
+              <a:buFont typeface="Arial"/>
+              <a:buChar char="•"/>
+            </a:pPr>
+            <a:r>
+              <a:rPr lang="hu-HU" dirty="0">
+                <a:ea typeface="Calibri"/>
+                <a:cs typeface="Calibri"/>
+              </a:rPr>
+              <a:t>Elkülönített jel</a:t>
+            </a:r>
+          </a:p>
+          <a:p>
+            <a:pPr marL="285750" indent="-285750">
+              <a:buFont typeface="Arial"/>
+              <a:buChar char="•"/>
+            </a:pPr>
+            <a:r>
+              <a:rPr lang="hu-HU" dirty="0">
+                <a:ea typeface="Calibri"/>
+                <a:cs typeface="Calibri"/>
+              </a:rPr>
+              <a:t>Zenében, </a:t>
+            </a:r>
+            <a:r>
+              <a:rPr lang="hu-HU" err="1">
+                <a:ea typeface="Calibri"/>
+                <a:cs typeface="Calibri"/>
+              </a:rPr>
+              <a:t>tvben</a:t>
+            </a:r>
+            <a:r>
+              <a:rPr lang="hu-HU" dirty="0">
+                <a:ea typeface="Calibri"/>
+                <a:cs typeface="Calibri"/>
+              </a:rPr>
+              <a:t> jellemző</a:t>
+            </a:r>
+          </a:p>
+          <a:p>
+            <a:pPr marL="285750" indent="-285750">
+              <a:buFont typeface="Arial"/>
+              <a:buChar char="•"/>
+            </a:pPr>
+            <a:r>
+              <a:rPr lang="hu-HU" dirty="0">
+                <a:ea typeface="Calibri"/>
+                <a:cs typeface="Calibri"/>
+              </a:rPr>
+              <a:t>(</a:t>
+            </a:r>
+            <a:r>
+              <a:rPr lang="hu-HU" dirty="0" err="1">
+                <a:ea typeface="Calibri"/>
+                <a:cs typeface="Calibri"/>
+              </a:rPr>
+              <a:t>álsztereo</a:t>
+            </a:r>
+            <a:r>
+              <a:rPr lang="hu-HU" dirty="0">
+                <a:ea typeface="Calibri"/>
+                <a:cs typeface="Calibri"/>
+              </a:rPr>
+              <a:t>)</a:t>
+            </a:r>
+          </a:p>
+        </p:txBody>
+      </p:sp>
+      <p:pic>
+        <p:nvPicPr>
+          <p:cNvPr id="8" name="Kép 7" descr="A képen clipart, tervezés, illusztráció látható&#10;&#10;Automatikusan generált leírás">
+            <a:extLst>
+              <a:ext uri="{FF2B5EF4-FFF2-40B4-BE49-F238E27FC236}">
+                <a16:creationId xmlns:a16="http://schemas.microsoft.com/office/drawing/2014/main" id="{49CF8846-D86C-2399-5999-C87B992D80D9}"/>
+              </a:ext>
+            </a:extLst>
+          </p:cNvPr>
+          <p:cNvPicPr>
+            <a:picLocks noChangeAspect="1"/>
+          </p:cNvPicPr>
+          <p:nvPr/>
+        </p:nvPicPr>
+        <p:blipFill>
+          <a:blip r:embed="rId2"/>
+          <a:stretch>
+            <a:fillRect/>
+          </a:stretch>
+        </p:blipFill>
+        <p:spPr>
+          <a:xfrm>
+            <a:off x="3800006" y="3394737"/>
+            <a:ext cx="3580150" cy="2029740"/>
+          </a:xfrm>
+          <a:prstGeom prst="rect">
+            <a:avLst/>
+          </a:prstGeom>
+        </p:spPr>
+      </p:pic>
+    </p:spTree>
+    <p:extLst>
+      <p:ext uri="{BB962C8B-B14F-4D97-AF65-F5344CB8AC3E}">
+        <p14:creationId xmlns:p14="http://schemas.microsoft.com/office/powerpoint/2010/main" val="972109551"/>
+      </p:ext>
+    </p:extLst>
+  </p:cSld>
+  <p:clrMapOvr>
+    <a:masterClrMapping/>
+  </p:clrMapOvr>
+</p:sld>
+</file>
+
+<file path=ppt/slides/slide11.xml><?xml version="1.0" encoding="utf-8"?>
+<p:sld xmlns:a="http://schemas.openxmlformats.org/drawingml/2006/main" xmlns:r="http://schemas.openxmlformats.org/officeDocument/2006/relationships" xmlns:p="http://schemas.openxmlformats.org/presentationml/2006/main">
+  <p:cSld>
+    <p:spTree>
+      <p:nvGrpSpPr>
+        <p:cNvPr id="1" name=""/>
+        <p:cNvGrpSpPr/>
+        <p:nvPr/>
+      </p:nvGrpSpPr>
+      <p:grpSpPr>
+        <a:xfrm>
+          <a:off x="0" y="0"/>
+          <a:ext cx="0" cy="0"/>
+          <a:chOff x="0" y="0"/>
+          <a:chExt cx="0" cy="0"/>
+        </a:xfrm>
+      </p:grpSpPr>
+      <p:sp>
+        <p:nvSpPr>
+          <p:cNvPr id="2" name="Cím 1">
+            <a:extLst>
+              <a:ext uri="{FF2B5EF4-FFF2-40B4-BE49-F238E27FC236}">
+                <a16:creationId xmlns:a16="http://schemas.microsoft.com/office/drawing/2014/main" id="{4D3D2189-05D6-4DDE-B9D3-BD8628EA3421}"/>
+              </a:ext>
+            </a:extLst>
+          </p:cNvPr>
+          <p:cNvSpPr>
+            <a:spLocks noGrp="1"/>
+          </p:cNvSpPr>
+          <p:nvPr>
+            <p:ph type="title"/>
+          </p:nvPr>
+        </p:nvSpPr>
+        <p:spPr/>
+        <p:txBody>
+          <a:bodyPr/>
+          <a:lstStyle/>
+          <a:p>
+            <a:r>
+              <a:rPr lang="hu-HU" dirty="0">
+                <a:ea typeface="Calibri Light"/>
+                <a:cs typeface="Calibri Light"/>
+              </a:rPr>
+              <a:t>Jack kábel</a:t>
+            </a:r>
+            <a:endParaRPr lang="hu-HU" dirty="0"/>
+          </a:p>
+        </p:txBody>
+      </p:sp>
+      <p:sp>
+        <p:nvSpPr>
+          <p:cNvPr id="3" name="Tartalom helye 2">
+            <a:extLst>
+              <a:ext uri="{FF2B5EF4-FFF2-40B4-BE49-F238E27FC236}">
+                <a16:creationId xmlns:a16="http://schemas.microsoft.com/office/drawing/2014/main" id="{F448C16D-9B4D-3DBD-E51A-A00F1BCB42A0}"/>
+              </a:ext>
+            </a:extLst>
+          </p:cNvPr>
+          <p:cNvSpPr>
+            <a:spLocks noGrp="1"/>
+          </p:cNvSpPr>
+          <p:nvPr>
+            <p:ph idx="1"/>
+          </p:nvPr>
+        </p:nvSpPr>
+        <p:spPr/>
+        <p:txBody>
+          <a:bodyPr vert="horz" lIns="91440" tIns="45720" rIns="91440" bIns="45720" rtlCol="0" anchor="t">
+            <a:normAutofit/>
+          </a:bodyPr>
+          <a:lstStyle/>
+          <a:p>
+            <a:r>
+              <a:rPr lang="hu-HU" dirty="0" err="1">
+                <a:ea typeface="Calibri"/>
+                <a:cs typeface="Calibri"/>
+              </a:rPr>
+              <a:t>Legrégebbi</a:t>
+            </a:r>
+            <a:r>
+              <a:rPr lang="hu-HU" dirty="0">
+                <a:ea typeface="Calibri"/>
+                <a:cs typeface="Calibri"/>
+              </a:rPr>
+              <a:t> fajta</a:t>
+            </a:r>
+          </a:p>
+          <a:p>
+            <a:r>
+              <a:rPr lang="hu-HU" dirty="0">
+                <a:ea typeface="Calibri"/>
+                <a:cs typeface="Calibri"/>
+              </a:rPr>
+              <a:t>Több fajta</a:t>
+            </a:r>
+            <a:endParaRPr lang="hu-HU" dirty="0"/>
+          </a:p>
+          <a:p>
+            <a:r>
+              <a:rPr lang="hu-HU" dirty="0">
+                <a:ea typeface="Calibri"/>
+                <a:cs typeface="Calibri"/>
+              </a:rPr>
+              <a:t>A 6.35mm-est még mindig használják</a:t>
+            </a:r>
+          </a:p>
+        </p:txBody>
+      </p:sp>
+      <p:pic>
+        <p:nvPicPr>
+          <p:cNvPr id="4" name="Kép 3" descr="A képen szöveg, képernyőkép, Betűtípus, szám látható&#10;&#10;Automatikusan generált leírás">
+            <a:extLst>
+              <a:ext uri="{FF2B5EF4-FFF2-40B4-BE49-F238E27FC236}">
+                <a16:creationId xmlns:a16="http://schemas.microsoft.com/office/drawing/2014/main" id="{D31CCDE3-54E8-594A-DA38-1F8D678A6FCA}"/>
+              </a:ext>
+            </a:extLst>
+          </p:cNvPr>
+          <p:cNvPicPr>
+            <a:picLocks noChangeAspect="1"/>
+          </p:cNvPicPr>
+          <p:nvPr/>
+        </p:nvPicPr>
+        <p:blipFill>
+          <a:blip r:embed="rId2"/>
+          <a:stretch>
+            <a:fillRect/>
+          </a:stretch>
+        </p:blipFill>
+        <p:spPr>
+          <a:xfrm>
+            <a:off x="4530131" y="3630998"/>
+            <a:ext cx="7502105" cy="2319215"/>
+          </a:xfrm>
+          <a:prstGeom prst="rect">
+            <a:avLst/>
+          </a:prstGeom>
+        </p:spPr>
+      </p:pic>
+      <p:pic>
+        <p:nvPicPr>
+          <p:cNvPr id="5" name="Kép 4" descr="A képen szöveg, kábel, szerszám látható&#10;&#10;Automatikusan generált leírás">
+            <a:extLst>
+              <a:ext uri="{FF2B5EF4-FFF2-40B4-BE49-F238E27FC236}">
+                <a16:creationId xmlns:a16="http://schemas.microsoft.com/office/drawing/2014/main" id="{14FB365F-62DD-BA0B-C665-C11DEE28F905}"/>
+              </a:ext>
+            </a:extLst>
+          </p:cNvPr>
+          <p:cNvPicPr>
+            <a:picLocks noChangeAspect="1"/>
+          </p:cNvPicPr>
+          <p:nvPr/>
+        </p:nvPicPr>
+        <p:blipFill>
+          <a:blip r:embed="rId3"/>
+          <a:stretch>
+            <a:fillRect/>
+          </a:stretch>
+        </p:blipFill>
+        <p:spPr>
+          <a:xfrm>
+            <a:off x="698739" y="3632835"/>
+            <a:ext cx="3605841" cy="1878329"/>
+          </a:xfrm>
+          <a:prstGeom prst="rect">
+            <a:avLst/>
+          </a:prstGeom>
+        </p:spPr>
+      </p:pic>
+    </p:spTree>
+    <p:extLst>
+      <p:ext uri="{BB962C8B-B14F-4D97-AF65-F5344CB8AC3E}">
+        <p14:creationId xmlns:p14="http://schemas.microsoft.com/office/powerpoint/2010/main" val="546726685"/>
+      </p:ext>
+    </p:extLst>
+  </p:cSld>
+  <p:clrMapOvr>
+    <a:masterClrMapping/>
+  </p:clrMapOvr>
+</p:sld>
+</file>
+
+<file path=ppt/slides/slide12.xml><?xml version="1.0" encoding="utf-8"?>
+<p:sld xmlns:a="http://schemas.openxmlformats.org/drawingml/2006/main" xmlns:r="http://schemas.openxmlformats.org/officeDocument/2006/relationships" xmlns:p="http://schemas.openxmlformats.org/presentationml/2006/main">
+  <p:cSld>
+    <p:spTree>
+      <p:nvGrpSpPr>
+        <p:cNvPr id="1" name=""/>
+        <p:cNvGrpSpPr/>
+        <p:nvPr/>
+      </p:nvGrpSpPr>
+      <p:grpSpPr>
+        <a:xfrm>
+          <a:off x="0" y="0"/>
+          <a:ext cx="0" cy="0"/>
+          <a:chOff x="0" y="0"/>
+          <a:chExt cx="0" cy="0"/>
+        </a:xfrm>
+      </p:grpSpPr>
+      <p:sp>
+        <p:nvSpPr>
+          <p:cNvPr id="2" name="Cím 1">
+            <a:extLst>
+              <a:ext uri="{FF2B5EF4-FFF2-40B4-BE49-F238E27FC236}">
+                <a16:creationId xmlns:a16="http://schemas.microsoft.com/office/drawing/2014/main" id="{884DF5B8-B7CA-48C8-0206-3C02B1729B2C}"/>
+              </a:ext>
+            </a:extLst>
+          </p:cNvPr>
+          <p:cNvSpPr>
+            <a:spLocks noGrp="1"/>
+          </p:cNvSpPr>
+          <p:nvPr>
+            <p:ph type="title"/>
+          </p:nvPr>
+        </p:nvSpPr>
+        <p:spPr/>
+        <p:txBody>
+          <a:bodyPr/>
+          <a:lstStyle/>
+          <a:p>
+            <a:r>
+              <a:rPr lang="hu-HU" dirty="0">
+                <a:ea typeface="Calibri Light"/>
+                <a:cs typeface="Calibri Light"/>
+              </a:rPr>
+              <a:t>Használtabb típusai</a:t>
+            </a:r>
+            <a:endParaRPr lang="hu-HU" dirty="0"/>
+          </a:p>
+        </p:txBody>
+      </p:sp>
+      <p:sp>
+        <p:nvSpPr>
+          <p:cNvPr id="3" name="Tartalom helye 2">
+            <a:extLst>
+              <a:ext uri="{FF2B5EF4-FFF2-40B4-BE49-F238E27FC236}">
+                <a16:creationId xmlns:a16="http://schemas.microsoft.com/office/drawing/2014/main" id="{1B253AA5-A16C-A876-D821-05E49ED5421B}"/>
+              </a:ext>
+            </a:extLst>
+          </p:cNvPr>
+          <p:cNvSpPr>
+            <a:spLocks noGrp="1"/>
+          </p:cNvSpPr>
+          <p:nvPr>
+            <p:ph idx="1"/>
+          </p:nvPr>
+        </p:nvSpPr>
+        <p:spPr/>
+        <p:txBody>
+          <a:bodyPr vert="horz" lIns="91440" tIns="45720" rIns="91440" bIns="45720" rtlCol="0" anchor="t">
+            <a:normAutofit/>
+          </a:bodyPr>
+          <a:lstStyle/>
+          <a:p>
+            <a:r>
+              <a:rPr lang="hu-HU" sz="2200" b="1" dirty="0">
+                <a:latin typeface="Calibri"/>
+                <a:ea typeface="Times New Roman"/>
+                <a:cs typeface="Times New Roman"/>
+              </a:rPr>
+              <a:t>6.35mm</a:t>
+            </a:r>
+            <a:r>
+              <a:rPr lang="hu-HU" sz="2200" dirty="0">
+                <a:latin typeface="Calibri"/>
+                <a:ea typeface="Times New Roman"/>
+                <a:cs typeface="Times New Roman"/>
+              </a:rPr>
+              <a:t>: Minőségi fülhallgatókhoz, és mikrofonokhoz használjuk ezt a fajtát. Ha elektromos gitárral játszunk akkor is ezt kötjük az erősítőre.  </a:t>
+            </a:r>
+          </a:p>
+          <a:p>
+            <a:r>
+              <a:rPr lang="hu-HU" sz="2200" b="1" dirty="0">
+                <a:latin typeface="Calibri"/>
+                <a:ea typeface="Times New Roman"/>
+                <a:cs typeface="Times New Roman"/>
+              </a:rPr>
+              <a:t>3.5mm</a:t>
+            </a:r>
+            <a:r>
+              <a:rPr lang="hu-HU" sz="2200" dirty="0">
+                <a:latin typeface="Calibri"/>
+                <a:ea typeface="Times New Roman"/>
+                <a:cs typeface="Times New Roman"/>
+              </a:rPr>
+              <a:t>: Ez a leggyakrabban használt </a:t>
+            </a:r>
+            <a:r>
+              <a:rPr lang="hu-HU" sz="2200" dirty="0" err="1">
+                <a:latin typeface="Calibri"/>
+                <a:ea typeface="Times New Roman"/>
+                <a:cs typeface="Times New Roman"/>
+              </a:rPr>
+              <a:t>jack</a:t>
+            </a:r>
+            <a:r>
+              <a:rPr lang="hu-HU" sz="2200" dirty="0">
+                <a:latin typeface="Calibri"/>
+                <a:ea typeface="Times New Roman"/>
+                <a:cs typeface="Times New Roman"/>
+              </a:rPr>
+              <a:t> kábeltípus. A 3.5mm-es konnektor szinte bárhol megtalálható,  Hordozható hang lejátszóban, laptopokban, felvevőkben, okostelefonokban. A fejhallgatók általában TRS-3 csatlakozót használ, A mikrofon rész pedig TRRS-4-et.</a:t>
+            </a:r>
+          </a:p>
+          <a:p>
+            <a:r>
+              <a:rPr lang="hu-HU" sz="2200" b="1" dirty="0">
+                <a:latin typeface="Calibri"/>
+                <a:ea typeface="Times New Roman"/>
+                <a:cs typeface="Times New Roman"/>
+              </a:rPr>
+              <a:t>2.5mm</a:t>
+            </a:r>
+            <a:r>
+              <a:rPr lang="hu-HU" sz="2200" dirty="0">
+                <a:latin typeface="Calibri"/>
+                <a:ea typeface="Times New Roman"/>
+                <a:cs typeface="Times New Roman"/>
+              </a:rPr>
+              <a:t>: Eléggé elavult általában a régi eszközökben megtalálható. </a:t>
+            </a:r>
+            <a:endParaRPr lang="hu-HU">
+              <a:latin typeface="Calibri"/>
+            </a:endParaRPr>
+          </a:p>
+        </p:txBody>
+      </p:sp>
+    </p:spTree>
+    <p:extLst>
+      <p:ext uri="{BB962C8B-B14F-4D97-AF65-F5344CB8AC3E}">
+        <p14:creationId xmlns:p14="http://schemas.microsoft.com/office/powerpoint/2010/main" val="2687972544"/>
       </p:ext>
     </p:extLst>
   </p:cSld>
@@ -3120,12 +3910,12 @@
         <p:spPr>
           <a:xfrm>
             <a:off x="486508" y="1403595"/>
-            <a:ext cx="10515600" cy="4949214"/>
+            <a:ext cx="10515600" cy="4199706"/>
           </a:xfrm>
         </p:spPr>
         <p:txBody>
           <a:bodyPr vert="horz" lIns="91440" tIns="45720" rIns="91440" bIns="45720" rtlCol="0" anchor="t">
-            <a:normAutofit/>
+            <a:normAutofit lnSpcReduction="10000"/>
           </a:bodyPr>
           <a:lstStyle/>
           <a:p>
@@ -3134,22 +3924,29 @@
                 <a:latin typeface="Times New Roman"/>
                 <a:cs typeface="Times New Roman"/>
               </a:rPr>
-              <a:t>A koaxiális kábelrendszer a </a:t>
-            </a:r>
-            <a:r>
-              <a:rPr lang="hu-HU" err="1">
-                <a:latin typeface="Times New Roman"/>
-                <a:cs typeface="Times New Roman"/>
-              </a:rPr>
-              <a:t>kábeltelevíziózás</a:t>
-            </a:r>
+              <a:t>A koaxiális kábelrendszer analóg átvitelt tesz lehetővé.</a:t>
+            </a:r>
+          </a:p>
+          <a:p>
+            <a:endParaRPr lang="hu-HU">
+              <a:latin typeface="Times New Roman"/>
+              <a:cs typeface="Times New Roman"/>
+            </a:endParaRPr>
+          </a:p>
+          <a:p>
             <a:r>
               <a:rPr lang="hu-HU">
                 <a:latin typeface="Times New Roman"/>
                 <a:cs typeface="Times New Roman"/>
               </a:rPr>
-              <a:t> szabványos kábelein keresztüli analóg átvitelt teszi lehetővé.</a:t>
-            </a:r>
+              <a:t>A kábel távolsága 100m és átviteli jele 300MHz.</a:t>
+            </a:r>
+          </a:p>
+          <a:p>
+            <a:endParaRPr lang="hu-HU">
+              <a:latin typeface="Times New Roman"/>
+              <a:cs typeface="Times New Roman"/>
+            </a:endParaRPr>
           </a:p>
           <a:p>
             <a:r>
@@ -3157,8 +3954,14 @@
                 <a:latin typeface="Times New Roman"/>
                 <a:cs typeface="Times New Roman"/>
               </a:rPr>
-              <a:t>A kábelek közel 100 km-es távolságig 300 MHz-es jelek átvitelére alkalmasak.</a:t>
-            </a:r>
+              <a:t>Egy 300Mhz-es kábel 150Mbit/s-os adatátvitelre képes.</a:t>
+            </a:r>
+          </a:p>
+          <a:p>
+            <a:endParaRPr lang="hu-HU">
+              <a:latin typeface="Times New Roman"/>
+              <a:cs typeface="Times New Roman"/>
+            </a:endParaRPr>
           </a:p>
           <a:p>
             <a:r>
@@ -3166,24 +3969,62 @@
                 <a:latin typeface="Times New Roman"/>
                 <a:cs typeface="Times New Roman"/>
               </a:rPr>
-              <a:t> Egy 300 MHz-es kábel tipikusan 150 </a:t>
-            </a:r>
-            <a:r>
-              <a:rPr lang="hu-HU" err="1">
-                <a:latin typeface="Times New Roman"/>
-                <a:cs typeface="Times New Roman"/>
-              </a:rPr>
-              <a:t>Mbit</a:t>
-            </a:r>
+              <a:t>Szélessávú rendszerekben analóg erősítők kellenek.</a:t>
+            </a:r>
+          </a:p>
+          <a:p>
+            <a:endParaRPr lang="hu-HU">
+              <a:latin typeface="Times New Roman"/>
+              <a:cs typeface="Times New Roman"/>
+            </a:endParaRPr>
+          </a:p>
+          <a:p>
             <a:r>
               <a:rPr lang="hu-HU">
                 <a:latin typeface="Times New Roman"/>
                 <a:cs typeface="Times New Roman"/>
               </a:rPr>
-              <a:t>/s-os adatátvitelt tesz lehetővé, ami egy csatorna számára túlzottan nagy sávszélesség, ezért általában több csatornára osztják.</a:t>
-            </a:r>
+              <a:t>Csak szimplex adatátvitelt képes megvalósítani.</a:t>
+            </a:r>
+          </a:p>
+          <a:p>
             <a:endParaRPr lang="hu-HU">
-              <a:cs typeface="Calibri" panose="020F0502020204030204"/>
+              <a:latin typeface="Times New Roman"/>
+              <a:cs typeface="Times New Roman"/>
+            </a:endParaRPr>
+          </a:p>
+          <a:p>
+            <a:endParaRPr lang="hu-HU">
+              <a:latin typeface="Times New Roman"/>
+              <a:cs typeface="Times New Roman"/>
+            </a:endParaRPr>
+          </a:p>
+          <a:p>
+            <a:endParaRPr lang="hu-HU">
+              <a:latin typeface="Times New Roman"/>
+              <a:cs typeface="Times New Roman"/>
+            </a:endParaRPr>
+          </a:p>
+          <a:p>
+            <a:pPr marL="0" indent="0">
+              <a:buNone/>
+            </a:pPr>
+            <a:endParaRPr lang="hu-HU">
+              <a:latin typeface="Times New Roman"/>
+              <a:cs typeface="Times New Roman"/>
+            </a:endParaRPr>
+          </a:p>
+          <a:p>
+            <a:pPr lvl="8"/>
+            <a:endParaRPr lang="hu-HU">
+              <a:latin typeface="Times New Roman"/>
+              <a:cs typeface="Times New Roman"/>
+            </a:endParaRPr>
+          </a:p>
+          <a:p>
+            <a:endParaRPr lang="hu-HU">
+              <a:latin typeface="Times New Roman"/>
+              <a:cs typeface="Times New Roman"/>
             </a:endParaRPr>
           </a:p>
         </p:txBody>
@@ -3223,175 +4064,6 @@
           <p:cNvPr id="2" name="Cím 1">
             <a:extLst>
               <a:ext uri="{FF2B5EF4-FFF2-40B4-BE49-F238E27FC236}">
-                <a16:creationId xmlns:a16="http://schemas.microsoft.com/office/drawing/2014/main" id="{F2A73F21-BA1F-E98B-4E0A-C12EC9AA0F5C}"/>
-              </a:ext>
-            </a:extLst>
-          </p:cNvPr>
-          <p:cNvSpPr>
-            <a:spLocks noGrp="1"/>
-          </p:cNvSpPr>
-          <p:nvPr>
-            <p:ph type="title"/>
-          </p:nvPr>
-        </p:nvSpPr>
-        <p:spPr>
-          <a:xfrm flipV="1">
-            <a:off x="838200" y="-442912"/>
-            <a:ext cx="10515600" cy="808037"/>
-          </a:xfrm>
-        </p:spPr>
-        <p:txBody>
-          <a:bodyPr/>
-          <a:lstStyle/>
-          <a:p>
-            <a:endParaRPr lang="hu-HU"/>
-          </a:p>
-        </p:txBody>
-      </p:sp>
-      <p:sp>
-        <p:nvSpPr>
-          <p:cNvPr id="3" name="Tartalom helye 2">
-            <a:extLst>
-              <a:ext uri="{FF2B5EF4-FFF2-40B4-BE49-F238E27FC236}">
-                <a16:creationId xmlns:a16="http://schemas.microsoft.com/office/drawing/2014/main" id="{46259D36-AE0D-63DD-EBFD-DAFE36C4AEB1}"/>
-              </a:ext>
-            </a:extLst>
-          </p:cNvPr>
-          <p:cNvSpPr>
-            <a:spLocks noGrp="1"/>
-          </p:cNvSpPr>
-          <p:nvPr>
-            <p:ph idx="1"/>
-          </p:nvPr>
-        </p:nvSpPr>
-        <p:spPr>
-          <a:xfrm>
-            <a:off x="451338" y="958118"/>
-            <a:ext cx="10515600" cy="5382968"/>
-          </a:xfrm>
-        </p:spPr>
-        <p:txBody>
-          <a:bodyPr vert="horz" lIns="91440" tIns="45720" rIns="91440" bIns="45720" rtlCol="0" anchor="t">
-            <a:normAutofit/>
-          </a:bodyPr>
-          <a:lstStyle/>
-          <a:p>
-            <a:r>
-              <a:rPr lang="hu-HU">
-                <a:latin typeface="Times New Roman"/>
-                <a:cs typeface="Times New Roman"/>
-              </a:rPr>
-              <a:t>A szélessávú rendszerekben analóg erősítőkre van szükség, ezek az erősítők a jelet csak az egyik irányba tudják továbbítani, ezért csak szimplex adatátvitelt képesek megvalósítani.</a:t>
-            </a:r>
-          </a:p>
-          <a:p>
-            <a:r>
-              <a:rPr lang="hu-HU">
-                <a:latin typeface="Times New Roman"/>
-                <a:cs typeface="Times New Roman"/>
-              </a:rPr>
-              <a:t>A probléma megoldására kétféle szélessávú rendszert fejlesztettek ki: a</a:t>
-            </a:r>
-            <a:r>
-              <a:rPr lang="hu-HU" i="1">
-                <a:latin typeface="Times New Roman"/>
-                <a:cs typeface="Times New Roman"/>
-              </a:rPr>
-              <a:t> </a:t>
-            </a:r>
-            <a:r>
-              <a:rPr lang="hu-HU">
-                <a:latin typeface="Times New Roman"/>
-                <a:cs typeface="Times New Roman"/>
-              </a:rPr>
-              <a:t>kétkábeles</a:t>
-            </a:r>
-            <a:r>
-              <a:rPr lang="hu-HU" b="1">
-                <a:latin typeface="Times New Roman"/>
-                <a:cs typeface="Times New Roman"/>
-              </a:rPr>
-              <a:t> </a:t>
-            </a:r>
-            <a:r>
-              <a:rPr lang="hu-HU">
-                <a:latin typeface="Times New Roman"/>
-                <a:cs typeface="Times New Roman"/>
-              </a:rPr>
-              <a:t>és az egykábeles</a:t>
-            </a:r>
-            <a:r>
-              <a:rPr lang="hu-HU" b="1">
-                <a:latin typeface="Times New Roman"/>
-                <a:cs typeface="Times New Roman"/>
-              </a:rPr>
-              <a:t> </a:t>
-            </a:r>
-            <a:r>
-              <a:rPr lang="hu-HU">
-                <a:latin typeface="Times New Roman"/>
-                <a:cs typeface="Times New Roman"/>
-              </a:rPr>
-              <a:t>rendszert</a:t>
-            </a:r>
-            <a:r>
-              <a:rPr lang="hu-HU" i="1">
-                <a:latin typeface="Times New Roman"/>
-                <a:cs typeface="Times New Roman"/>
-              </a:rPr>
-              <a:t>.</a:t>
-            </a:r>
-          </a:p>
-          <a:p>
-            <a:r>
-              <a:rPr lang="hu-HU">
-                <a:latin typeface="Times New Roman"/>
-                <a:cs typeface="Times New Roman"/>
-              </a:rPr>
-              <a:t>A kétkábeles rendszerben két azonos kábel fut egymás mellett. A két kábelen ellentétes irányú az adatforgalom.</a:t>
-            </a:r>
-            <a:endParaRPr lang="hu-HU" i="1">
-              <a:latin typeface="Times New Roman"/>
-              <a:cs typeface="Times New Roman"/>
-            </a:endParaRPr>
-          </a:p>
-        </p:txBody>
-      </p:sp>
-    </p:spTree>
-    <p:extLst>
-      <p:ext uri="{BB962C8B-B14F-4D97-AF65-F5344CB8AC3E}">
-        <p14:creationId xmlns:p14="http://schemas.microsoft.com/office/powerpoint/2010/main" val="2118927623"/>
-      </p:ext>
-    </p:extLst>
-  </p:cSld>
-  <p:clrMapOvr>
-    <a:masterClrMapping/>
-  </p:clrMapOvr>
-</p:sld>
-</file>
-
-<file path=ppt/slides/slide4.xml><?xml version="1.0" encoding="utf-8"?>
-<p:sld xmlns:a="http://schemas.openxmlformats.org/drawingml/2006/main" xmlns:r="http://schemas.openxmlformats.org/officeDocument/2006/relationships" xmlns:p="http://schemas.openxmlformats.org/presentationml/2006/main">
-  <p:cSld>
-    <p:spTree>
-      <p:nvGrpSpPr>
-        <p:cNvPr id="1" name=""/>
-        <p:cNvGrpSpPr/>
-        <p:nvPr/>
-      </p:nvGrpSpPr>
-      <p:grpSpPr>
-        <a:xfrm>
-          <a:off x="0" y="0"/>
-          <a:ext cx="0" cy="0"/>
-          <a:chOff x="0" y="0"/>
-          <a:chExt cx="0" cy="0"/>
-        </a:xfrm>
-      </p:grpSpPr>
-      <p:sp>
-        <p:nvSpPr>
-          <p:cNvPr id="2" name="Cím 1">
-            <a:extLst>
-              <a:ext uri="{FF2B5EF4-FFF2-40B4-BE49-F238E27FC236}">
                 <a16:creationId xmlns:a16="http://schemas.microsoft.com/office/drawing/2014/main" id="{784B543A-2E52-87B8-CDBA-DA62DE9EAF7C}"/>
               </a:ext>
             </a:extLst>
@@ -3409,12 +4081,12 @@
           <a:lstStyle/>
           <a:p>
             <a:r>
-              <a:rPr lang="hu-HU" dirty="0">
+              <a:rPr lang="hu-HU">
                 <a:cs typeface="Calibri Light"/>
               </a:rPr>
               <a:t>A koaxiális kábel története</a:t>
             </a:r>
-            <a:endParaRPr lang="hu-HU" dirty="0"/>
+            <a:endParaRPr lang="hu-HU"/>
           </a:p>
         </p:txBody>
       </p:sp>
@@ -3445,7 +4117,7 @@
               <a:buNone/>
             </a:pPr>
             <a:r>
-              <a:rPr lang="hu-HU" dirty="0">
+              <a:rPr lang="hu-HU">
                 <a:solidFill>
                   <a:srgbClr val="000000"/>
                 </a:solidFill>
@@ -3455,7 +4127,7 @@
               <a:t>Oliver </a:t>
             </a:r>
             <a:r>
-              <a:rPr lang="hu-HU" dirty="0" err="1">
+              <a:rPr lang="hu-HU" err="1">
                 <a:solidFill>
                   <a:srgbClr val="000000"/>
                 </a:solidFill>
@@ -3465,7 +4137,7 @@
               <a:t>Heaviside</a:t>
             </a:r>
             <a:r>
-              <a:rPr lang="hu-HU" dirty="0">
+              <a:rPr lang="hu-HU">
                 <a:solidFill>
                   <a:srgbClr val="000000"/>
                 </a:solidFill>
@@ -3478,7 +4150,7 @@
           <a:p>
             <a:pPr marL="457200" indent="-457200"/>
             <a:r>
-              <a:rPr lang="hu-HU" dirty="0">
+              <a:rPr lang="hu-HU">
                 <a:solidFill>
                   <a:srgbClr val="000000"/>
                 </a:solidFill>
@@ -3490,7 +4162,7 @@
           </a:p>
           <a:p>
             <a:r>
-              <a:rPr lang="hu-HU" dirty="0">
+              <a:rPr lang="hu-HU">
                 <a:solidFill>
                   <a:srgbClr val="000000"/>
                 </a:solidFill>
@@ -3502,7 +4174,7 @@
           </a:p>
           <a:p>
             <a:r>
-              <a:rPr lang="hu-HU" dirty="0">
+              <a:rPr lang="hu-HU">
                 <a:solidFill>
                   <a:srgbClr val="000000"/>
                 </a:solidFill>
@@ -3511,10 +4183,10 @@
               </a:rPr>
               <a:t>Meghalt: 1925. február 3.</a:t>
             </a:r>
-            <a:endParaRPr lang="hu-HU" dirty="0"/>
-          </a:p>
-          <a:p>
-            <a:endParaRPr lang="hu-HU" dirty="0">
+            <a:endParaRPr lang="hu-HU"/>
+          </a:p>
+          <a:p>
+            <a:endParaRPr lang="hu-HU">
               <a:cs typeface="Calibri"/>
             </a:endParaRPr>
           </a:p>
@@ -3563,6 +4235,149 @@
 </p:sld>
 </file>
 
+<file path=ppt/slides/slide4.xml><?xml version="1.0" encoding="utf-8"?>
+<p:sld xmlns:a="http://schemas.openxmlformats.org/drawingml/2006/main" xmlns:r="http://schemas.openxmlformats.org/officeDocument/2006/relationships" xmlns:p="http://schemas.openxmlformats.org/presentationml/2006/main">
+  <p:cSld>
+    <p:spTree>
+      <p:nvGrpSpPr>
+        <p:cNvPr id="1" name=""/>
+        <p:cNvGrpSpPr/>
+        <p:nvPr/>
+      </p:nvGrpSpPr>
+      <p:grpSpPr>
+        <a:xfrm>
+          <a:off x="0" y="0"/>
+          <a:ext cx="0" cy="0"/>
+          <a:chOff x="0" y="0"/>
+          <a:chExt cx="0" cy="0"/>
+        </a:xfrm>
+      </p:grpSpPr>
+      <p:sp>
+        <p:nvSpPr>
+          <p:cNvPr id="2" name="Cím 1">
+            <a:extLst>
+              <a:ext uri="{FF2B5EF4-FFF2-40B4-BE49-F238E27FC236}">
+                <a16:creationId xmlns:a16="http://schemas.microsoft.com/office/drawing/2014/main" id="{F2A73F21-BA1F-E98B-4E0A-C12EC9AA0F5C}"/>
+              </a:ext>
+            </a:extLst>
+          </p:cNvPr>
+          <p:cNvSpPr>
+            <a:spLocks noGrp="1"/>
+          </p:cNvSpPr>
+          <p:nvPr>
+            <p:ph type="title"/>
+          </p:nvPr>
+        </p:nvSpPr>
+        <p:spPr>
+          <a:xfrm>
+            <a:off x="838200" y="390108"/>
+            <a:ext cx="10515600" cy="678487"/>
+          </a:xfrm>
+        </p:spPr>
+        <p:txBody>
+          <a:bodyPr>
+            <a:normAutofit/>
+          </a:bodyPr>
+          <a:lstStyle/>
+          <a:p>
+            <a:r>
+              <a:rPr lang="hu-HU" sz="4000">
+                <a:ea typeface="Calibri Light"/>
+                <a:cs typeface="Calibri Light"/>
+              </a:rPr>
+              <a:t>Kétféle szélessávú rendszerek</a:t>
+            </a:r>
+            <a:endParaRPr lang="hu-HU" sz="4000"/>
+          </a:p>
+        </p:txBody>
+      </p:sp>
+      <p:sp>
+        <p:nvSpPr>
+          <p:cNvPr id="3" name="Tartalom helye 2">
+            <a:extLst>
+              <a:ext uri="{FF2B5EF4-FFF2-40B4-BE49-F238E27FC236}">
+                <a16:creationId xmlns:a16="http://schemas.microsoft.com/office/drawing/2014/main" id="{46259D36-AE0D-63DD-EBFD-DAFE36C4AEB1}"/>
+              </a:ext>
+            </a:extLst>
+          </p:cNvPr>
+          <p:cNvSpPr>
+            <a:spLocks noGrp="1"/>
+          </p:cNvSpPr>
+          <p:nvPr>
+            <p:ph idx="1"/>
+          </p:nvPr>
+        </p:nvSpPr>
+        <p:spPr>
+          <a:xfrm>
+            <a:off x="451338" y="1320380"/>
+            <a:ext cx="10515600" cy="5020706"/>
+          </a:xfrm>
+        </p:spPr>
+        <p:txBody>
+          <a:bodyPr vert="horz" lIns="91440" tIns="45720" rIns="91440" bIns="45720" rtlCol="0" anchor="t">
+            <a:normAutofit/>
+          </a:bodyPr>
+          <a:lstStyle/>
+          <a:p>
+            <a:pPr>
+              <a:buNone/>
+            </a:pPr>
+            <a:r>
+              <a:rPr lang="hu-HU" sz="3200">
+                <a:ea typeface="Calibri"/>
+                <a:cs typeface="Calibri"/>
+              </a:rPr>
+              <a:t>Egykábeles rendszer:</a:t>
+            </a:r>
+          </a:p>
+          <a:p>
+            <a:pPr>
+              <a:buNone/>
+            </a:pPr>
+            <a:r>
+              <a:rPr lang="hu-HU" sz="2400">
+                <a:ea typeface="Calibri" panose="020F0502020204030204"/>
+                <a:cs typeface="Calibri" panose="020F0502020204030204"/>
+              </a:rPr>
+              <a:t>Egy kábelen két különböző frekvenciatartomány van</a:t>
+            </a:r>
+          </a:p>
+          <a:p>
+            <a:pPr>
+              <a:buNone/>
+            </a:pPr>
+            <a:r>
+              <a:rPr lang="hu-HU" sz="2400">
+                <a:ea typeface="Calibri" panose="020F0502020204030204"/>
+                <a:cs typeface="Calibri" panose="020F0502020204030204"/>
+              </a:rPr>
+              <a:t>Az adó(adósáv) és a vevő(vevősáv) </a:t>
+            </a:r>
+          </a:p>
+          <a:p>
+            <a:pPr>
+              <a:buNone/>
+            </a:pPr>
+            <a:endParaRPr lang="hu-HU" sz="3200">
+              <a:ea typeface="Calibri" panose="020F0502020204030204"/>
+              <a:cs typeface="Calibri" panose="020F0502020204030204"/>
+            </a:endParaRPr>
+          </a:p>
+        </p:txBody>
+      </p:sp>
+    </p:spTree>
+    <p:extLst>
+      <p:ext uri="{BB962C8B-B14F-4D97-AF65-F5344CB8AC3E}">
+        <p14:creationId xmlns:p14="http://schemas.microsoft.com/office/powerpoint/2010/main" val="2118927623"/>
+      </p:ext>
+    </p:extLst>
+  </p:cSld>
+  <p:clrMapOvr>
+    <a:masterClrMapping/>
+  </p:clrMapOvr>
+</p:sld>
+</file>
+
 <file path=ppt/slides/slide5.xml><?xml version="1.0" encoding="utf-8"?>
 <p:sld xmlns:a="http://schemas.openxmlformats.org/drawingml/2006/main" xmlns:r="http://schemas.openxmlformats.org/officeDocument/2006/relationships" xmlns:p="http://schemas.openxmlformats.org/presentationml/2006/main">
   <p:cSld>
@@ -3602,12 +4417,12 @@
           <a:lstStyle/>
           <a:p>
             <a:r>
-              <a:rPr lang="hu-HU" dirty="0">
+              <a:rPr lang="hu-HU">
                 <a:cs typeface="Calibri Light"/>
               </a:rPr>
               <a:t>A koaxiális kábel</a:t>
             </a:r>
-            <a:endParaRPr lang="hu-HU" dirty="0"/>
+            <a:endParaRPr lang="hu-HU"/>
           </a:p>
         </p:txBody>
       </p:sp>
@@ -3635,7 +4450,7 @@
           <a:lstStyle/>
           <a:p>
             <a:r>
-              <a:rPr lang="hu-HU" sz="2400" dirty="0">
+              <a:rPr lang="hu-HU" sz="2400">
                 <a:solidFill>
                   <a:srgbClr val="58585B"/>
                 </a:solidFill>
@@ -3645,7 +4460,7 @@
               <a:t>A koaxiális kábel - vagy röviden </a:t>
             </a:r>
             <a:r>
-              <a:rPr lang="hu-HU" sz="2400" dirty="0" err="1">
+              <a:rPr lang="hu-HU" sz="2400" err="1">
                 <a:solidFill>
                   <a:srgbClr val="58585B"/>
                 </a:solidFill>
@@ -3655,7 +4470,7 @@
               <a:t>koax</a:t>
             </a:r>
             <a:r>
-              <a:rPr lang="hu-HU" sz="2400" dirty="0">
+              <a:rPr lang="hu-HU" sz="2400">
                 <a:solidFill>
                   <a:srgbClr val="58585B"/>
                 </a:solidFill>
@@ -3665,7 +4480,7 @@
               <a:t> - elnevezés a vezeték szerkezetéből származik, mivel két vezető egy közös tengelyen (</a:t>
             </a:r>
             <a:r>
-              <a:rPr lang="hu-HU" sz="2400" dirty="0" err="1">
+              <a:rPr lang="hu-HU" sz="2400" err="1">
                 <a:solidFill>
                   <a:srgbClr val="58585B"/>
                 </a:solidFill>
@@ -3675,7 +4490,7 @@
               <a:t>axis</a:t>
             </a:r>
             <a:r>
-              <a:rPr lang="hu-HU" sz="2400" dirty="0">
+              <a:rPr lang="hu-HU" sz="2400">
                 <a:solidFill>
                   <a:srgbClr val="58585B"/>
                 </a:solidFill>
@@ -3684,7 +4499,7 @@
               </a:rPr>
               <a:t>) osztozik.</a:t>
             </a:r>
-            <a:endParaRPr lang="hu-HU" sz="2400" dirty="0">
+            <a:endParaRPr lang="hu-HU" sz="2400">
               <a:solidFill>
                 <a:srgbClr val="202124"/>
               </a:solidFill>
@@ -3694,7 +4509,7 @@
           </a:p>
           <a:p>
             <a:r>
-              <a:rPr lang="hu-HU" sz="2400" dirty="0">
+              <a:rPr lang="hu-HU" sz="2400">
                 <a:solidFill>
                   <a:srgbClr val="202124"/>
                 </a:solidFill>
@@ -3707,7 +4522,7 @@
           </a:p>
           <a:p>
             <a:r>
-              <a:rPr lang="hu-HU" sz="2400" dirty="0">
+              <a:rPr lang="hu-HU" sz="2400">
                 <a:solidFill>
                   <a:srgbClr val="202124"/>
                 </a:solidFill>
@@ -3719,7 +4534,7 @@
           </a:p>
           <a:p>
             <a:r>
-              <a:rPr lang="hu-HU" sz="2400" dirty="0">
+              <a:rPr lang="hu-HU" sz="2400">
                 <a:solidFill>
                   <a:srgbClr val="202124"/>
                 </a:solidFill>
@@ -3730,7 +4545,7 @@
             </a:r>
           </a:p>
           <a:p>
-            <a:endParaRPr lang="hu-HU" sz="2400" dirty="0">
+            <a:endParaRPr lang="hu-HU" sz="2400">
               <a:solidFill>
                 <a:srgbClr val="58585B"/>
               </a:solidFill>
@@ -3822,12 +4637,12 @@
           <a:lstStyle/>
           <a:p>
             <a:r>
-              <a:rPr lang="hu-HU" dirty="0">
+              <a:rPr lang="hu-HU">
                 <a:cs typeface="Calibri Light"/>
               </a:rPr>
               <a:t>A koaxiális kábel csatlakozói</a:t>
             </a:r>
-            <a:endParaRPr lang="hu-HU" dirty="0"/>
+            <a:endParaRPr lang="hu-HU"/>
           </a:p>
         </p:txBody>
       </p:sp>
@@ -3855,7 +4670,7 @@
           <a:lstStyle/>
           <a:p>
             <a:r>
-              <a:rPr lang="hu-HU" dirty="0">
+              <a:rPr lang="hu-HU">
                 <a:cs typeface="Calibri"/>
               </a:rPr>
               <a:t>BNC</a:t>
@@ -3863,13 +4678,13 @@
           </a:p>
           <a:p>
             <a:r>
-              <a:rPr lang="hu-HU" dirty="0">
+              <a:rPr lang="hu-HU">
                 <a:cs typeface="Calibri"/>
               </a:rPr>
               <a:t>F </a:t>
             </a:r>
             <a:r>
-              <a:rPr lang="hu-HU" dirty="0" err="1">
+              <a:rPr lang="hu-HU" err="1">
                 <a:cs typeface="Calibri"/>
               </a:rPr>
               <a:t>type</a:t>
@@ -3877,13 +4692,13 @@
           </a:p>
           <a:p>
             <a:r>
-              <a:rPr lang="hu-HU" dirty="0">
+              <a:rPr lang="hu-HU">
                 <a:cs typeface="Calibri"/>
               </a:rPr>
               <a:t>N </a:t>
             </a:r>
             <a:r>
-              <a:rPr lang="hu-HU" dirty="0" err="1">
+              <a:rPr lang="hu-HU" err="1">
                 <a:cs typeface="Calibri"/>
               </a:rPr>
               <a:t>type</a:t>
@@ -3973,12 +4788,12 @@
           <a:lstStyle/>
           <a:p>
             <a:r>
-              <a:rPr lang="hu-HU" dirty="0">
+              <a:rPr lang="hu-HU">
                 <a:cs typeface="Calibri Light"/>
               </a:rPr>
               <a:t>A koaxiális kábel csatlakozói (BNC)</a:t>
             </a:r>
-            <a:endParaRPr lang="hu-HU" dirty="0"/>
+            <a:endParaRPr lang="hu-HU"/>
           </a:p>
         </p:txBody>
       </p:sp>
@@ -4006,7 +4821,7 @@
           <a:lstStyle/>
           <a:p>
             <a:r>
-              <a:rPr lang="hu-HU" sz="2400" dirty="0">
+              <a:rPr lang="hu-HU" sz="2400">
                 <a:solidFill>
                   <a:srgbClr val="000000"/>
                 </a:solidFill>
@@ -4017,7 +4832,7 @@
               <a:t>Paul Neill </a:t>
             </a:r>
             <a:r>
-              <a:rPr lang="hu-HU" sz="2400" dirty="0">
+              <a:rPr lang="hu-HU" sz="2400">
                 <a:solidFill>
                   <a:srgbClr val="202122"/>
                 </a:solidFill>
@@ -4039,7 +4854,7 @@
               <a:t>September</a:t>
             </a:r>
             <a:r>
-              <a:rPr lang="hu-HU" sz="2400" dirty="0">
+              <a:rPr lang="hu-HU" sz="2400">
                 <a:solidFill>
                   <a:srgbClr val="202122"/>
                 </a:solidFill>
@@ -4061,7 +4876,7 @@
               <a:t>October</a:t>
             </a:r>
             <a:r>
-              <a:rPr lang="hu-HU" sz="2400" dirty="0">
+              <a:rPr lang="hu-HU" sz="2400">
                 <a:solidFill>
                   <a:srgbClr val="202122"/>
                 </a:solidFill>
@@ -4072,7 +4887,7 @@
               <a:t> 1968)</a:t>
             </a:r>
             <a:r>
-              <a:rPr lang="hu-HU" sz="2400" dirty="0">
+              <a:rPr lang="hu-HU" sz="2400">
                 <a:solidFill>
                   <a:srgbClr val="000000"/>
                 </a:solidFill>
@@ -4094,7 +4909,7 @@
               <a:t>Concelman</a:t>
             </a:r>
             <a:r>
-              <a:rPr lang="hu-HU" sz="2400" dirty="0">
+              <a:rPr lang="hu-HU" sz="2400">
                 <a:solidFill>
                   <a:srgbClr val="202122"/>
                 </a:solidFill>
@@ -4105,7 +4920,7 @@
               <a:t> (December 23, 1912 – August 1975)</a:t>
             </a:r>
             <a:r>
-              <a:rPr lang="hu-HU" sz="2400" baseline="30000" dirty="0">
+              <a:rPr lang="hu-HU" sz="2400" baseline="30000">
                 <a:solidFill>
                   <a:srgbClr val="3366CC"/>
                 </a:solidFill>
@@ -4117,7 +4932,7 @@
               <a:t>[</a:t>
             </a:r>
             <a:r>
-              <a:rPr lang="hu-HU" sz="2400" dirty="0">
+              <a:rPr lang="hu-HU" sz="2400">
                 <a:solidFill>
                   <a:srgbClr val="000000"/>
                 </a:solidFill>
@@ -4130,7 +4945,7 @@
           </a:p>
           <a:p>
             <a:r>
-              <a:rPr lang="hu-HU" sz="2400" dirty="0">
+              <a:rPr lang="hu-HU" sz="2400">
                 <a:solidFill>
                   <a:srgbClr val="000000"/>
                 </a:solidFill>
@@ -4142,7 +4957,7 @@
           </a:p>
           <a:p>
             <a:r>
-              <a:rPr lang="hu-HU" sz="2400" dirty="0">
+              <a:rPr lang="hu-HU" sz="2400">
                 <a:solidFill>
                   <a:srgbClr val="000000"/>
                 </a:solidFill>
@@ -4236,12 +5051,12 @@
           <a:lstStyle/>
           <a:p>
             <a:r>
-              <a:rPr lang="hu-HU" dirty="0">
+              <a:rPr lang="hu-HU">
                 <a:cs typeface="Calibri Light"/>
               </a:rPr>
               <a:t>A koaxiális kábel csatlakozói (F)</a:t>
             </a:r>
-            <a:endParaRPr lang="hu-HU" dirty="0"/>
+            <a:endParaRPr lang="hu-HU"/>
           </a:p>
         </p:txBody>
       </p:sp>
@@ -4274,26 +5089,26 @@
           <a:lstStyle/>
           <a:p>
             <a:r>
-              <a:rPr lang="hu-HU" dirty="0">
+              <a:rPr lang="hu-HU">
                 <a:cs typeface="Calibri"/>
               </a:rPr>
               <a:t>Eric E. Winston, </a:t>
             </a:r>
             <a:r>
-              <a:rPr lang="hu-HU" dirty="0" err="1"/>
+              <a:rPr lang="hu-HU" err="1"/>
               <a:t>Jerrold</a:t>
             </a:r>
             <a:r>
-              <a:rPr lang="hu-HU" dirty="0"/>
+              <a:rPr lang="hu-HU"/>
               <a:t> Electronics</a:t>
             </a:r>
-            <a:endParaRPr lang="hu-HU" dirty="0">
+            <a:endParaRPr lang="hu-HU">
               <a:cs typeface="Calibri"/>
             </a:endParaRPr>
           </a:p>
           <a:p>
             <a:r>
-              <a:rPr lang="hu-HU" dirty="0">
+              <a:rPr lang="hu-HU">
                 <a:cs typeface="Calibri"/>
               </a:rPr>
               <a:t>1950 körül</a:t>
@@ -4301,19 +5116,19 @@
           </a:p>
           <a:p>
             <a:r>
-              <a:rPr lang="hu-HU" dirty="0">
+              <a:rPr lang="hu-HU">
                 <a:cs typeface="Calibri"/>
               </a:rPr>
               <a:t>Általában napelemekhez, tv-khez használjuk</a:t>
             </a:r>
           </a:p>
           <a:p>
-            <a:endParaRPr lang="hu-HU" dirty="0">
+            <a:endParaRPr lang="hu-HU">
               <a:cs typeface="Calibri"/>
             </a:endParaRPr>
           </a:p>
           <a:p>
-            <a:endParaRPr lang="hu-HU" dirty="0">
+            <a:endParaRPr lang="hu-HU">
               <a:cs typeface="Calibri"/>
             </a:endParaRPr>
           </a:p>
@@ -4401,12 +5216,12 @@
           <a:lstStyle/>
           <a:p>
             <a:r>
-              <a:rPr lang="hu-HU" dirty="0">
+              <a:rPr lang="hu-HU">
                 <a:cs typeface="Calibri Light"/>
               </a:rPr>
               <a:t>A koaxiális kábel csatlakozói (N)</a:t>
             </a:r>
-            <a:endParaRPr lang="hu-HU" dirty="0"/>
+            <a:endParaRPr lang="hu-HU"/>
           </a:p>
         </p:txBody>
       </p:sp>
@@ -4503,6 +5318,10 @@
               </a:rPr>
               <a:t>1940 körül</a:t>
             </a:r>
+            <a:endParaRPr lang="hu-HU" dirty="0">
+              <a:ea typeface="Calibri"/>
+              <a:cs typeface="Calibri"/>
+            </a:endParaRPr>
           </a:p>
           <a:p>
             <a:r>
@@ -4515,11 +5334,27 @@
               <a:rPr lang="hu-HU" dirty="0">
                 <a:cs typeface="Calibri"/>
               </a:rPr>
-              <a:t> kábelek összekötése </a:t>
-            </a:r>
-          </a:p>
-          <a:p>
+              <a:t> kábelek </a:t>
+            </a:r>
+            <a:r>
+              <a:rPr lang="hu-HU" dirty="0" err="1">
+                <a:cs typeface="Calibri"/>
+              </a:rPr>
+              <a:t>összekötésésére</a:t>
+            </a:r>
+            <a:r>
+              <a:rPr lang="hu-HU" dirty="0">
+                <a:cs typeface="Calibri"/>
+              </a:rPr>
+              <a:t> alkalmas</a:t>
+            </a:r>
             <a:endParaRPr lang="hu-HU" dirty="0">
+              <a:ea typeface="Calibri"/>
+              <a:cs typeface="Calibri"/>
+            </a:endParaRPr>
+          </a:p>
+          <a:p>
+            <a:endParaRPr lang="hu-HU">
               <a:cs typeface="Calibri"/>
             </a:endParaRPr>
           </a:p>
